--- a/docs/Presentation/VnV.pptx
+++ b/docs/Presentation/VnV.pptx
@@ -7,7 +7,8 @@
   <p:sldIdLst>
     <p:sldId id="256" r:id="rId2"/>
     <p:sldId id="257" r:id="rId3"/>
-    <p:sldId id="260" r:id="rId4"/>
+    <p:sldId id="261" r:id="rId4"/>
+    <p:sldId id="260" r:id="rId5"/>
   </p:sldIdLst>
   <p:sldSz cx="12192000" cy="6858000"/>
   <p:notesSz cx="6858000" cy="9144000"/>
@@ -3780,6 +3781,334 @@
 </file>
 
 <file path=ppt/slides/slide3.xml><?xml version="1.0" encoding="utf-8"?>
+<p:sld xmlns:a="http://schemas.openxmlformats.org/drawingml/2006/main" xmlns:r="http://schemas.openxmlformats.org/officeDocument/2006/relationships" xmlns:p="http://schemas.openxmlformats.org/presentationml/2006/main">
+  <p:cSld>
+    <p:spTree>
+      <p:nvGrpSpPr>
+        <p:cNvPr id="1" name="">
+          <a:extLst>
+            <a:ext uri="{FF2B5EF4-FFF2-40B4-BE49-F238E27FC236}">
+              <a16:creationId xmlns:a16="http://schemas.microsoft.com/office/drawing/2014/main" id="{457E957D-980D-4628-7C70-D99409FAA78A}"/>
+            </a:ext>
+          </a:extLst>
+        </p:cNvPr>
+        <p:cNvGrpSpPr/>
+        <p:nvPr/>
+      </p:nvGrpSpPr>
+      <p:grpSpPr>
+        <a:xfrm>
+          <a:off x="0" y="0"/>
+          <a:ext cx="0" cy="0"/>
+          <a:chOff x="0" y="0"/>
+          <a:chExt cx="0" cy="0"/>
+        </a:xfrm>
+      </p:grpSpPr>
+      <p:sp>
+        <p:nvSpPr>
+          <p:cNvPr id="4" name="Title 3">
+            <a:extLst>
+              <a:ext uri="{FF2B5EF4-FFF2-40B4-BE49-F238E27FC236}">
+                <a16:creationId xmlns:a16="http://schemas.microsoft.com/office/drawing/2014/main" id="{AB265507-B932-3B5E-4BCC-50FB2EB97BC4}"/>
+              </a:ext>
+            </a:extLst>
+          </p:cNvPr>
+          <p:cNvSpPr>
+            <a:spLocks noGrp="1"/>
+          </p:cNvSpPr>
+          <p:nvPr>
+            <p:ph type="title"/>
+          </p:nvPr>
+        </p:nvSpPr>
+        <p:spPr>
+          <a:xfrm>
+            <a:off x="444500" y="430609"/>
+            <a:ext cx="11210544" cy="557784"/>
+          </a:xfrm>
+        </p:spPr>
+        <p:txBody>
+          <a:bodyPr>
+            <a:normAutofit fontScale="90000"/>
+          </a:bodyPr>
+          <a:lstStyle/>
+          <a:p>
+            <a:r>
+              <a:rPr lang="en-US" dirty="0"/>
+              <a:t>Automated testing and verification tools</a:t>
+            </a:r>
+          </a:p>
+        </p:txBody>
+      </p:sp>
+      <p:cxnSp>
+        <p:nvCxnSpPr>
+          <p:cNvPr id="11" name="Straight Connector 10">
+            <a:extLst>
+              <a:ext uri="{FF2B5EF4-FFF2-40B4-BE49-F238E27FC236}">
+                <a16:creationId xmlns:a16="http://schemas.microsoft.com/office/drawing/2014/main" id="{EC94FB45-924C-7CC8-68B1-B3C416B0A896}"/>
+              </a:ext>
+            </a:extLst>
+          </p:cNvPr>
+          <p:cNvCxnSpPr/>
+          <p:nvPr/>
+        </p:nvCxnSpPr>
+        <p:spPr>
+          <a:xfrm>
+            <a:off x="349249" y="1174750"/>
+            <a:ext cx="11036300" cy="0"/>
+          </a:xfrm>
+          <a:prstGeom prst="line">
+            <a:avLst/>
+          </a:prstGeom>
+        </p:spPr>
+        <p:style>
+          <a:lnRef idx="3">
+            <a:schemeClr val="accent2"/>
+          </a:lnRef>
+          <a:fillRef idx="0">
+            <a:schemeClr val="accent2"/>
+          </a:fillRef>
+          <a:effectRef idx="2">
+            <a:schemeClr val="accent2"/>
+          </a:effectRef>
+          <a:fontRef idx="minor">
+            <a:schemeClr val="tx1"/>
+          </a:fontRef>
+        </p:style>
+      </p:cxnSp>
+      <p:sp>
+        <p:nvSpPr>
+          <p:cNvPr id="10" name="TextBox 9">
+            <a:extLst>
+              <a:ext uri="{FF2B5EF4-FFF2-40B4-BE49-F238E27FC236}">
+                <a16:creationId xmlns:a16="http://schemas.microsoft.com/office/drawing/2014/main" id="{F0A4A69B-F174-D84B-A330-354F34177FF6}"/>
+              </a:ext>
+            </a:extLst>
+          </p:cNvPr>
+          <p:cNvSpPr txBox="1"/>
+          <p:nvPr/>
+        </p:nvSpPr>
+        <p:spPr>
+          <a:xfrm>
+            <a:off x="10888869" y="6396382"/>
+            <a:ext cx="633507" cy="369332"/>
+          </a:xfrm>
+          <a:prstGeom prst="rect">
+            <a:avLst/>
+          </a:prstGeom>
+          <a:noFill/>
+        </p:spPr>
+        <p:txBody>
+          <a:bodyPr wrap="none" rtlCol="0">
+            <a:spAutoFit/>
+          </a:bodyPr>
+          <a:lstStyle/>
+          <a:p>
+            <a:r>
+              <a:rPr lang="en-US" dirty="0"/>
+              <a:t>1/10</a:t>
+            </a:r>
+          </a:p>
+        </p:txBody>
+      </p:sp>
+      <p:sp>
+        <p:nvSpPr>
+          <p:cNvPr id="2" name="TextBox 1">
+            <a:extLst>
+              <a:ext uri="{FF2B5EF4-FFF2-40B4-BE49-F238E27FC236}">
+                <a16:creationId xmlns:a16="http://schemas.microsoft.com/office/drawing/2014/main" id="{6202C405-965C-C952-FF17-13FA1AD9E542}"/>
+              </a:ext>
+            </a:extLst>
+          </p:cNvPr>
+          <p:cNvSpPr txBox="1"/>
+          <p:nvPr/>
+        </p:nvSpPr>
+        <p:spPr>
+          <a:xfrm>
+            <a:off x="349249" y="1243853"/>
+            <a:ext cx="10126011" cy="5262979"/>
+          </a:xfrm>
+          <a:prstGeom prst="rect">
+            <a:avLst/>
+          </a:prstGeom>
+          <a:noFill/>
+        </p:spPr>
+        <p:txBody>
+          <a:bodyPr wrap="square">
+            <a:spAutoFit/>
+          </a:bodyPr>
+          <a:lstStyle/>
+          <a:p>
+            <a:r>
+              <a:rPr lang="en-US" sz="3200" b="1" dirty="0"/>
+              <a:t>Static code checker: </a:t>
+            </a:r>
+            <a:r>
+              <a:rPr lang="en-US" sz="3200" b="1" dirty="0" err="1"/>
+              <a:t>cpplint</a:t>
+            </a:r>
+            <a:endParaRPr lang="en-US" sz="3200" b="1" dirty="0"/>
+          </a:p>
+          <a:p>
+            <a:pPr marL="457200" indent="-457200">
+              <a:buFontTx/>
+              <a:buChar char="-"/>
+            </a:pPr>
+            <a:r>
+              <a:rPr lang="en-US" sz="2000" dirty="0"/>
+              <a:t>Check for array out-of-bounds errors</a:t>
+            </a:r>
+          </a:p>
+          <a:p>
+            <a:pPr marL="457200" indent="-457200">
+              <a:buFontTx/>
+              <a:buChar char="-"/>
+            </a:pPr>
+            <a:r>
+              <a:rPr lang="en-US" sz="2000" dirty="0"/>
+              <a:t>Check for memory leaks</a:t>
+            </a:r>
+          </a:p>
+          <a:p>
+            <a:pPr marL="457200" indent="-457200">
+              <a:buFontTx/>
+              <a:buChar char="-"/>
+            </a:pPr>
+            <a:r>
+              <a:rPr lang="en-US" sz="2000" dirty="0"/>
+              <a:t>Check for coding style</a:t>
+            </a:r>
+            <a:endParaRPr lang="en-US" sz="2800" dirty="0"/>
+          </a:p>
+          <a:p>
+            <a:r>
+              <a:rPr lang="en-US" sz="3200" b="1" dirty="0"/>
+              <a:t>Unit test: </a:t>
+            </a:r>
+            <a:r>
+              <a:rPr lang="en-US" sz="3200" b="1" dirty="0" err="1"/>
+              <a:t>gTest</a:t>
+            </a:r>
+            <a:endParaRPr lang="en-US" sz="3200" b="1" dirty="0"/>
+          </a:p>
+          <a:p>
+            <a:pPr marL="457200" indent="-457200">
+              <a:buFontTx/>
+              <a:buChar char="-"/>
+            </a:pPr>
+            <a:r>
+              <a:rPr lang="en-US" sz="2000" dirty="0"/>
+              <a:t>Run test cases automatically</a:t>
+            </a:r>
+            <a:endParaRPr lang="en-US" sz="2800" dirty="0"/>
+          </a:p>
+          <a:p>
+            <a:r>
+              <a:rPr lang="en-US" sz="3200" b="1" dirty="0"/>
+              <a:t>Local code quality control: git pre-commit</a:t>
+            </a:r>
+          </a:p>
+          <a:p>
+            <a:pPr marL="457200" indent="-457200">
+              <a:buFontTx/>
+              <a:buChar char="-"/>
+            </a:pPr>
+            <a:r>
+              <a:rPr lang="en-US" sz="2000" dirty="0"/>
+              <a:t>Check code quality when commit, before pushing</a:t>
+            </a:r>
+          </a:p>
+          <a:p>
+            <a:pPr marL="457200" indent="-457200">
+              <a:buFontTx/>
+              <a:buChar char="-"/>
+            </a:pPr>
+            <a:r>
+              <a:rPr lang="en-US" sz="2000" dirty="0" err="1"/>
+              <a:t>cpplint</a:t>
+            </a:r>
+            <a:r>
+              <a:rPr lang="en-US" sz="2000" dirty="0"/>
+              <a:t> and </a:t>
+            </a:r>
+            <a:r>
+              <a:rPr lang="en-US" sz="2000" dirty="0" err="1"/>
+              <a:t>gTest</a:t>
+            </a:r>
+            <a:r>
+              <a:rPr lang="en-US" sz="2000" dirty="0"/>
+              <a:t> can be invoked</a:t>
+            </a:r>
+          </a:p>
+          <a:p>
+            <a:r>
+              <a:rPr lang="en-US" sz="3200" b="1" dirty="0"/>
+              <a:t>Continuous integration: GitHub Actions</a:t>
+            </a:r>
+          </a:p>
+          <a:p>
+            <a:pPr marL="457200" indent="-457200">
+              <a:buFontTx/>
+              <a:buChar char="-"/>
+            </a:pPr>
+            <a:r>
+              <a:rPr lang="en-US" sz="2000" dirty="0"/>
+              <a:t>Automatically run tests and verifications triggered by PRs or Pushes</a:t>
+            </a:r>
+          </a:p>
+          <a:p>
+            <a:pPr marL="457200" indent="-457200">
+              <a:buFontTx/>
+              <a:buChar char="-"/>
+            </a:pPr>
+            <a:r>
+              <a:rPr lang="en-US" sz="2000" dirty="0" err="1"/>
+              <a:t>cpplint</a:t>
+            </a:r>
+            <a:r>
+              <a:rPr lang="en-US" sz="2000" dirty="0"/>
+              <a:t> and </a:t>
+            </a:r>
+            <a:r>
+              <a:rPr lang="en-US" sz="2000" dirty="0" err="1"/>
+              <a:t>gTest</a:t>
+            </a:r>
+            <a:r>
+              <a:rPr lang="en-US" sz="2000" dirty="0"/>
+              <a:t> can be invoked</a:t>
+            </a:r>
+          </a:p>
+          <a:p>
+            <a:pPr marL="457200" indent="-457200">
+              <a:buFontTx/>
+              <a:buChar char="-"/>
+            </a:pPr>
+            <a:r>
+              <a:rPr lang="en-US" sz="2000" dirty="0" err="1"/>
+              <a:t>Doxygen</a:t>
+            </a:r>
+            <a:r>
+              <a:rPr lang="en-US" sz="2000" dirty="0"/>
+              <a:t> docker action</a:t>
+            </a:r>
+          </a:p>
+          <a:p>
+            <a:endParaRPr lang="en-US" sz="2800" dirty="0"/>
+          </a:p>
+        </p:txBody>
+      </p:sp>
+    </p:spTree>
+    <p:extLst>
+      <p:ext uri="{BB962C8B-B14F-4D97-AF65-F5344CB8AC3E}">
+        <p14:creationId xmlns:p14="http://schemas.microsoft.com/office/powerpoint/2010/main" val="3684873934"/>
+      </p:ext>
+    </p:extLst>
+  </p:cSld>
+  <p:clrMapOvr>
+    <a:masterClrMapping/>
+  </p:clrMapOvr>
+</p:sld>
+</file>
+
+<file path=ppt/slides/slide4.xml><?xml version="1.0" encoding="utf-8"?>
 <p:sld xmlns:a="http://schemas.openxmlformats.org/drawingml/2006/main" xmlns:r="http://schemas.openxmlformats.org/officeDocument/2006/relationships" xmlns:p="http://schemas.openxmlformats.org/presentationml/2006/main">
   <p:cSld>
     <p:spTree>

--- a/docs/Presentation/VnV.pptx
+++ b/docs/Presentation/VnV.pptx
@@ -7,8 +7,16 @@
   <p:sldIdLst>
     <p:sldId id="256" r:id="rId2"/>
     <p:sldId id="257" r:id="rId3"/>
-    <p:sldId id="261" r:id="rId4"/>
-    <p:sldId id="260" r:id="rId5"/>
+    <p:sldId id="262" r:id="rId4"/>
+    <p:sldId id="263" r:id="rId5"/>
+    <p:sldId id="264" r:id="rId6"/>
+    <p:sldId id="265" r:id="rId7"/>
+    <p:sldId id="266" r:id="rId8"/>
+    <p:sldId id="261" r:id="rId9"/>
+    <p:sldId id="267" r:id="rId10"/>
+    <p:sldId id="268" r:id="rId11"/>
+    <p:sldId id="269" r:id="rId12"/>
+    <p:sldId id="260" r:id="rId13"/>
   </p:sldIdLst>
   <p:sldSz cx="12192000" cy="6858000"/>
   <p:notesSz cx="6858000" cy="9144000"/>
@@ -262,7 +270,7 @@
           <a:p>
             <a:fld id="{E996DF86-C467-4A92-964E-0EB737BA98EF}" type="datetimeFigureOut">
               <a:rPr lang="en-US" smtClean="0"/>
-              <a:t>2/10/2025</a:t>
+              <a:t>2/12/2025</a:t>
             </a:fld>
             <a:endParaRPr lang="en-US"/>
           </a:p>
@@ -460,7 +468,7 @@
           <a:p>
             <a:fld id="{E996DF86-C467-4A92-964E-0EB737BA98EF}" type="datetimeFigureOut">
               <a:rPr lang="en-US" smtClean="0"/>
-              <a:t>2/10/2025</a:t>
+              <a:t>2/12/2025</a:t>
             </a:fld>
             <a:endParaRPr lang="en-US"/>
           </a:p>
@@ -668,7 +676,7 @@
           <a:p>
             <a:fld id="{E996DF86-C467-4A92-964E-0EB737BA98EF}" type="datetimeFigureOut">
               <a:rPr lang="en-US" smtClean="0"/>
-              <a:t>2/10/2025</a:t>
+              <a:t>2/12/2025</a:t>
             </a:fld>
             <a:endParaRPr lang="en-US"/>
           </a:p>
@@ -866,7 +874,7 @@
           <a:p>
             <a:fld id="{E996DF86-C467-4A92-964E-0EB737BA98EF}" type="datetimeFigureOut">
               <a:rPr lang="en-US" smtClean="0"/>
-              <a:t>2/10/2025</a:t>
+              <a:t>2/12/2025</a:t>
             </a:fld>
             <a:endParaRPr lang="en-US"/>
           </a:p>
@@ -1141,7 +1149,7 @@
           <a:p>
             <a:fld id="{E996DF86-C467-4A92-964E-0EB737BA98EF}" type="datetimeFigureOut">
               <a:rPr lang="en-US" smtClean="0"/>
-              <a:t>2/10/2025</a:t>
+              <a:t>2/12/2025</a:t>
             </a:fld>
             <a:endParaRPr lang="en-US"/>
           </a:p>
@@ -1406,7 +1414,7 @@
           <a:p>
             <a:fld id="{E996DF86-C467-4A92-964E-0EB737BA98EF}" type="datetimeFigureOut">
               <a:rPr lang="en-US" smtClean="0"/>
-              <a:t>2/10/2025</a:t>
+              <a:t>2/12/2025</a:t>
             </a:fld>
             <a:endParaRPr lang="en-US"/>
           </a:p>
@@ -1818,7 +1826,7 @@
           <a:p>
             <a:fld id="{E996DF86-C467-4A92-964E-0EB737BA98EF}" type="datetimeFigureOut">
               <a:rPr lang="en-US" smtClean="0"/>
-              <a:t>2/10/2025</a:t>
+              <a:t>2/12/2025</a:t>
             </a:fld>
             <a:endParaRPr lang="en-US"/>
           </a:p>
@@ -1959,7 +1967,7 @@
           <a:p>
             <a:fld id="{E996DF86-C467-4A92-964E-0EB737BA98EF}" type="datetimeFigureOut">
               <a:rPr lang="en-US" smtClean="0"/>
-              <a:t>2/10/2025</a:t>
+              <a:t>2/12/2025</a:t>
             </a:fld>
             <a:endParaRPr lang="en-US"/>
           </a:p>
@@ -2072,7 +2080,7 @@
           <a:p>
             <a:fld id="{E996DF86-C467-4A92-964E-0EB737BA98EF}" type="datetimeFigureOut">
               <a:rPr lang="en-US" smtClean="0"/>
-              <a:t>2/10/2025</a:t>
+              <a:t>2/12/2025</a:t>
             </a:fld>
             <a:endParaRPr lang="en-US"/>
           </a:p>
@@ -2383,7 +2391,7 @@
           <a:p>
             <a:fld id="{E996DF86-C467-4A92-964E-0EB737BA98EF}" type="datetimeFigureOut">
               <a:rPr lang="en-US" smtClean="0"/>
-              <a:t>2/10/2025</a:t>
+              <a:t>2/12/2025</a:t>
             </a:fld>
             <a:endParaRPr lang="en-US"/>
           </a:p>
@@ -2671,7 +2679,7 @@
           <a:p>
             <a:fld id="{E996DF86-C467-4A92-964E-0EB737BA98EF}" type="datetimeFigureOut">
               <a:rPr lang="en-US" smtClean="0"/>
-              <a:t>2/10/2025</a:t>
+              <a:t>2/12/2025</a:t>
             </a:fld>
             <a:endParaRPr lang="en-US"/>
           </a:p>
@@ -2912,7 +2920,7 @@
           <a:p>
             <a:fld id="{E996DF86-C467-4A92-964E-0EB737BA98EF}" type="datetimeFigureOut">
               <a:rPr lang="en-US" smtClean="0"/>
-              <a:t>2/10/2025</a:t>
+              <a:t>2/12/2025</a:t>
             </a:fld>
             <a:endParaRPr lang="en-US"/>
           </a:p>
@@ -3466,6 +3474,363 @@
 </p:sld>
 </file>
 
+<file path=ppt/slides/slide10.xml><?xml version="1.0" encoding="utf-8"?>
+<p:sld xmlns:a="http://schemas.openxmlformats.org/drawingml/2006/main" xmlns:r="http://schemas.openxmlformats.org/officeDocument/2006/relationships" xmlns:p="http://schemas.openxmlformats.org/presentationml/2006/main">
+  <p:cSld>
+    <p:spTree>
+      <p:nvGrpSpPr>
+        <p:cNvPr id="1" name="">
+          <a:extLst>
+            <a:ext uri="{FF2B5EF4-FFF2-40B4-BE49-F238E27FC236}">
+              <a16:creationId xmlns:a16="http://schemas.microsoft.com/office/drawing/2014/main" id="{CAE1812C-5D01-A251-A329-2A4D42880DD4}"/>
+            </a:ext>
+          </a:extLst>
+        </p:cNvPr>
+        <p:cNvGrpSpPr/>
+        <p:nvPr/>
+      </p:nvGrpSpPr>
+      <p:grpSpPr>
+        <a:xfrm>
+          <a:off x="0" y="0"/>
+          <a:ext cx="0" cy="0"/>
+          <a:chOff x="0" y="0"/>
+          <a:chExt cx="0" cy="0"/>
+        </a:xfrm>
+      </p:grpSpPr>
+      <p:sp>
+        <p:nvSpPr>
+          <p:cNvPr id="4" name="Title 3">
+            <a:extLst>
+              <a:ext uri="{FF2B5EF4-FFF2-40B4-BE49-F238E27FC236}">
+                <a16:creationId xmlns:a16="http://schemas.microsoft.com/office/drawing/2014/main" id="{65F94036-E04A-1CB8-8A3C-07C29B8558E1}"/>
+              </a:ext>
+            </a:extLst>
+          </p:cNvPr>
+          <p:cNvSpPr>
+            <a:spLocks noGrp="1"/>
+          </p:cNvSpPr>
+          <p:nvPr>
+            <p:ph type="title"/>
+          </p:nvPr>
+        </p:nvSpPr>
+        <p:spPr>
+          <a:xfrm>
+            <a:off x="444500" y="430609"/>
+            <a:ext cx="11210544" cy="557784"/>
+          </a:xfrm>
+        </p:spPr>
+        <p:txBody>
+          <a:bodyPr>
+            <a:normAutofit fontScale="90000"/>
+          </a:bodyPr>
+          <a:lstStyle/>
+          <a:p>
+            <a:r>
+              <a:rPr lang="en-US" dirty="0"/>
+              <a:t>Software Validation Plan - Tests for NFR</a:t>
+            </a:r>
+          </a:p>
+        </p:txBody>
+      </p:sp>
+      <p:cxnSp>
+        <p:nvCxnSpPr>
+          <p:cNvPr id="11" name="Straight Connector 10">
+            <a:extLst>
+              <a:ext uri="{FF2B5EF4-FFF2-40B4-BE49-F238E27FC236}">
+                <a16:creationId xmlns:a16="http://schemas.microsoft.com/office/drawing/2014/main" id="{C272C52D-60F8-24B7-9BE4-9629B67355B2}"/>
+              </a:ext>
+            </a:extLst>
+          </p:cNvPr>
+          <p:cNvCxnSpPr/>
+          <p:nvPr/>
+        </p:nvCxnSpPr>
+        <p:spPr>
+          <a:xfrm>
+            <a:off x="349249" y="1174750"/>
+            <a:ext cx="11036300" cy="0"/>
+          </a:xfrm>
+          <a:prstGeom prst="line">
+            <a:avLst/>
+          </a:prstGeom>
+        </p:spPr>
+        <p:style>
+          <a:lnRef idx="3">
+            <a:schemeClr val="accent2"/>
+          </a:lnRef>
+          <a:fillRef idx="0">
+            <a:schemeClr val="accent2"/>
+          </a:fillRef>
+          <a:effectRef idx="2">
+            <a:schemeClr val="accent2"/>
+          </a:effectRef>
+          <a:fontRef idx="minor">
+            <a:schemeClr val="tx1"/>
+          </a:fontRef>
+        </p:style>
+      </p:cxnSp>
+      <p:sp>
+        <p:nvSpPr>
+          <p:cNvPr id="10" name="TextBox 9">
+            <a:extLst>
+              <a:ext uri="{FF2B5EF4-FFF2-40B4-BE49-F238E27FC236}">
+                <a16:creationId xmlns:a16="http://schemas.microsoft.com/office/drawing/2014/main" id="{90BDA21D-B2B6-F6DF-6299-A785D795355C}"/>
+              </a:ext>
+            </a:extLst>
+          </p:cNvPr>
+          <p:cNvSpPr txBox="1"/>
+          <p:nvPr/>
+        </p:nvSpPr>
+        <p:spPr>
+          <a:xfrm>
+            <a:off x="10888869" y="6396382"/>
+            <a:ext cx="633507" cy="369332"/>
+          </a:xfrm>
+          <a:prstGeom prst="rect">
+            <a:avLst/>
+          </a:prstGeom>
+          <a:noFill/>
+        </p:spPr>
+        <p:txBody>
+          <a:bodyPr wrap="none" rtlCol="0">
+            <a:spAutoFit/>
+          </a:bodyPr>
+          <a:lstStyle/>
+          <a:p>
+            <a:r>
+              <a:rPr lang="en-US" dirty="0"/>
+              <a:t>1/10</a:t>
+            </a:r>
+          </a:p>
+        </p:txBody>
+      </p:sp>
+    </p:spTree>
+    <p:extLst>
+      <p:ext uri="{BB962C8B-B14F-4D97-AF65-F5344CB8AC3E}">
+        <p14:creationId xmlns:p14="http://schemas.microsoft.com/office/powerpoint/2010/main" val="1332274472"/>
+      </p:ext>
+    </p:extLst>
+  </p:cSld>
+  <p:clrMapOvr>
+    <a:masterClrMapping/>
+  </p:clrMapOvr>
+</p:sld>
+</file>
+
+<file path=ppt/slides/slide11.xml><?xml version="1.0" encoding="utf-8"?>
+<p:sld xmlns:a="http://schemas.openxmlformats.org/drawingml/2006/main" xmlns:r="http://schemas.openxmlformats.org/officeDocument/2006/relationships" xmlns:p="http://schemas.openxmlformats.org/presentationml/2006/main">
+  <p:cSld>
+    <p:spTree>
+      <p:nvGrpSpPr>
+        <p:cNvPr id="1" name="">
+          <a:extLst>
+            <a:ext uri="{FF2B5EF4-FFF2-40B4-BE49-F238E27FC236}">
+              <a16:creationId xmlns:a16="http://schemas.microsoft.com/office/drawing/2014/main" id="{A76D85F1-69F5-1702-2BF7-2B040BA314C8}"/>
+            </a:ext>
+          </a:extLst>
+        </p:cNvPr>
+        <p:cNvGrpSpPr/>
+        <p:nvPr/>
+      </p:nvGrpSpPr>
+      <p:grpSpPr>
+        <a:xfrm>
+          <a:off x="0" y="0"/>
+          <a:ext cx="0" cy="0"/>
+          <a:chOff x="0" y="0"/>
+          <a:chExt cx="0" cy="0"/>
+        </a:xfrm>
+      </p:grpSpPr>
+      <p:sp>
+        <p:nvSpPr>
+          <p:cNvPr id="4" name="Title 3">
+            <a:extLst>
+              <a:ext uri="{FF2B5EF4-FFF2-40B4-BE49-F238E27FC236}">
+                <a16:creationId xmlns:a16="http://schemas.microsoft.com/office/drawing/2014/main" id="{B4F358FD-B859-74CE-AD00-D2111500C8E0}"/>
+              </a:ext>
+            </a:extLst>
+          </p:cNvPr>
+          <p:cNvSpPr>
+            <a:spLocks noGrp="1"/>
+          </p:cNvSpPr>
+          <p:nvPr>
+            <p:ph type="title"/>
+          </p:nvPr>
+        </p:nvSpPr>
+        <p:spPr>
+          <a:xfrm>
+            <a:off x="444500" y="430609"/>
+            <a:ext cx="11210544" cy="557784"/>
+          </a:xfrm>
+        </p:spPr>
+        <p:txBody>
+          <a:bodyPr>
+            <a:normAutofit fontScale="90000"/>
+          </a:bodyPr>
+          <a:lstStyle/>
+          <a:p>
+            <a:r>
+              <a:rPr lang="en-US" dirty="0"/>
+              <a:t>Unit Test</a:t>
+            </a:r>
+          </a:p>
+        </p:txBody>
+      </p:sp>
+      <p:cxnSp>
+        <p:nvCxnSpPr>
+          <p:cNvPr id="11" name="Straight Connector 10">
+            <a:extLst>
+              <a:ext uri="{FF2B5EF4-FFF2-40B4-BE49-F238E27FC236}">
+                <a16:creationId xmlns:a16="http://schemas.microsoft.com/office/drawing/2014/main" id="{CDEF7D88-1192-95A4-8B3B-0A4BCCF2483F}"/>
+              </a:ext>
+            </a:extLst>
+          </p:cNvPr>
+          <p:cNvCxnSpPr/>
+          <p:nvPr/>
+        </p:nvCxnSpPr>
+        <p:spPr>
+          <a:xfrm>
+            <a:off x="349249" y="1174750"/>
+            <a:ext cx="11036300" cy="0"/>
+          </a:xfrm>
+          <a:prstGeom prst="line">
+            <a:avLst/>
+          </a:prstGeom>
+        </p:spPr>
+        <p:style>
+          <a:lnRef idx="3">
+            <a:schemeClr val="accent2"/>
+          </a:lnRef>
+          <a:fillRef idx="0">
+            <a:schemeClr val="accent2"/>
+          </a:fillRef>
+          <a:effectRef idx="2">
+            <a:schemeClr val="accent2"/>
+          </a:effectRef>
+          <a:fontRef idx="minor">
+            <a:schemeClr val="tx1"/>
+          </a:fontRef>
+        </p:style>
+      </p:cxnSp>
+      <p:sp>
+        <p:nvSpPr>
+          <p:cNvPr id="10" name="TextBox 9">
+            <a:extLst>
+              <a:ext uri="{FF2B5EF4-FFF2-40B4-BE49-F238E27FC236}">
+                <a16:creationId xmlns:a16="http://schemas.microsoft.com/office/drawing/2014/main" id="{A4F08472-909A-A628-BF64-3DF7FF0FE236}"/>
+              </a:ext>
+            </a:extLst>
+          </p:cNvPr>
+          <p:cNvSpPr txBox="1"/>
+          <p:nvPr/>
+        </p:nvSpPr>
+        <p:spPr>
+          <a:xfrm>
+            <a:off x="10888869" y="6396382"/>
+            <a:ext cx="633507" cy="369332"/>
+          </a:xfrm>
+          <a:prstGeom prst="rect">
+            <a:avLst/>
+          </a:prstGeom>
+          <a:noFill/>
+        </p:spPr>
+        <p:txBody>
+          <a:bodyPr wrap="none" rtlCol="0">
+            <a:spAutoFit/>
+          </a:bodyPr>
+          <a:lstStyle/>
+          <a:p>
+            <a:r>
+              <a:rPr lang="en-US" dirty="0"/>
+              <a:t>1/10</a:t>
+            </a:r>
+          </a:p>
+        </p:txBody>
+      </p:sp>
+    </p:spTree>
+    <p:extLst>
+      <p:ext uri="{BB962C8B-B14F-4D97-AF65-F5344CB8AC3E}">
+        <p14:creationId xmlns:p14="http://schemas.microsoft.com/office/powerpoint/2010/main" val="331793199"/>
+      </p:ext>
+    </p:extLst>
+  </p:cSld>
+  <p:clrMapOvr>
+    <a:masterClrMapping/>
+  </p:clrMapOvr>
+</p:sld>
+</file>
+
+<file path=ppt/slides/slide12.xml><?xml version="1.0" encoding="utf-8"?>
+<p:sld xmlns:a="http://schemas.openxmlformats.org/drawingml/2006/main" xmlns:r="http://schemas.openxmlformats.org/officeDocument/2006/relationships" xmlns:p="http://schemas.openxmlformats.org/presentationml/2006/main">
+  <p:cSld>
+    <p:spTree>
+      <p:nvGrpSpPr>
+        <p:cNvPr id="1" name=""/>
+        <p:cNvGrpSpPr/>
+        <p:nvPr/>
+      </p:nvGrpSpPr>
+      <p:grpSpPr>
+        <a:xfrm>
+          <a:off x="0" y="0"/>
+          <a:ext cx="0" cy="0"/>
+          <a:chOff x="0" y="0"/>
+          <a:chExt cx="0" cy="0"/>
+        </a:xfrm>
+      </p:grpSpPr>
+      <p:sp>
+        <p:nvSpPr>
+          <p:cNvPr id="2" name="Title 1">
+            <a:extLst>
+              <a:ext uri="{FF2B5EF4-FFF2-40B4-BE49-F238E27FC236}">
+                <a16:creationId xmlns:a16="http://schemas.microsoft.com/office/drawing/2014/main" id="{7118E9ED-0EC3-8DF1-85C3-EEEBE3C68A2B}"/>
+              </a:ext>
+            </a:extLst>
+          </p:cNvPr>
+          <p:cNvSpPr>
+            <a:spLocks noGrp="1"/>
+          </p:cNvSpPr>
+          <p:nvPr>
+            <p:ph type="title"/>
+          </p:nvPr>
+        </p:nvSpPr>
+        <p:spPr>
+          <a:xfrm>
+            <a:off x="1959908" y="2766218"/>
+            <a:ext cx="8703610" cy="1325563"/>
+          </a:xfrm>
+        </p:spPr>
+        <p:txBody>
+          <a:bodyPr>
+            <a:normAutofit fontScale="90000"/>
+          </a:bodyPr>
+          <a:lstStyle/>
+          <a:p>
+            <a:pPr algn="ctr"/>
+            <a:r>
+              <a:rPr lang="en-US" sz="8000" dirty="0"/>
+              <a:t>Thank you for listening.</a:t>
+            </a:r>
+            <a:br>
+              <a:rPr lang="en-US" sz="8000" dirty="0"/>
+            </a:br>
+            <a:r>
+              <a:rPr lang="en-US" dirty="0"/>
+              <a:t>Any questions?</a:t>
+            </a:r>
+          </a:p>
+        </p:txBody>
+      </p:sp>
+    </p:spTree>
+    <p:extLst>
+      <p:ext uri="{BB962C8B-B14F-4D97-AF65-F5344CB8AC3E}">
+        <p14:creationId xmlns:p14="http://schemas.microsoft.com/office/powerpoint/2010/main" val="1503242035"/>
+      </p:ext>
+    </p:extLst>
+  </p:cSld>
+  <p:clrMapOvr>
+    <a:masterClrMapping/>
+  </p:clrMapOvr>
+</p:sld>
+</file>
+
 <file path=ppt/slides/slide2.xml><?xml version="1.0" encoding="utf-8"?>
 <p:sld xmlns:a="http://schemas.openxmlformats.org/drawingml/2006/main" xmlns:r="http://schemas.openxmlformats.org/officeDocument/2006/relationships" xmlns:p="http://schemas.openxmlformats.org/presentationml/2006/main">
   <p:cSld>
@@ -3513,7 +3878,7 @@
           <a:p>
             <a:r>
               <a:rPr lang="en-US" dirty="0"/>
-              <a:t>Quick Reintroduction</a:t>
+              <a:t>Reintroduction</a:t>
             </a:r>
           </a:p>
         </p:txBody>
@@ -3781,6 +4146,716 @@
 </file>
 
 <file path=ppt/slides/slide3.xml><?xml version="1.0" encoding="utf-8"?>
+<p:sld xmlns:a="http://schemas.openxmlformats.org/drawingml/2006/main" xmlns:r="http://schemas.openxmlformats.org/officeDocument/2006/relationships" xmlns:p="http://schemas.openxmlformats.org/presentationml/2006/main">
+  <p:cSld>
+    <p:spTree>
+      <p:nvGrpSpPr>
+        <p:cNvPr id="1" name="">
+          <a:extLst>
+            <a:ext uri="{FF2B5EF4-FFF2-40B4-BE49-F238E27FC236}">
+              <a16:creationId xmlns:a16="http://schemas.microsoft.com/office/drawing/2014/main" id="{CD7D66BD-34CD-C273-1DAE-5B907C2B90D1}"/>
+            </a:ext>
+          </a:extLst>
+        </p:cNvPr>
+        <p:cNvGrpSpPr/>
+        <p:nvPr/>
+      </p:nvGrpSpPr>
+      <p:grpSpPr>
+        <a:xfrm>
+          <a:off x="0" y="0"/>
+          <a:ext cx="0" cy="0"/>
+          <a:chOff x="0" y="0"/>
+          <a:chExt cx="0" cy="0"/>
+        </a:xfrm>
+      </p:grpSpPr>
+      <p:sp>
+        <p:nvSpPr>
+          <p:cNvPr id="4" name="Title 3">
+            <a:extLst>
+              <a:ext uri="{FF2B5EF4-FFF2-40B4-BE49-F238E27FC236}">
+                <a16:creationId xmlns:a16="http://schemas.microsoft.com/office/drawing/2014/main" id="{768433C5-1F25-9B3E-B46C-652A3B949852}"/>
+              </a:ext>
+            </a:extLst>
+          </p:cNvPr>
+          <p:cNvSpPr>
+            <a:spLocks noGrp="1"/>
+          </p:cNvSpPr>
+          <p:nvPr>
+            <p:ph type="title"/>
+          </p:nvPr>
+        </p:nvSpPr>
+        <p:spPr>
+          <a:xfrm>
+            <a:off x="444500" y="430609"/>
+            <a:ext cx="11210544" cy="557784"/>
+          </a:xfrm>
+        </p:spPr>
+        <p:txBody>
+          <a:bodyPr>
+            <a:normAutofit fontScale="90000"/>
+          </a:bodyPr>
+          <a:lstStyle/>
+          <a:p>
+            <a:r>
+              <a:rPr lang="en-US" dirty="0"/>
+              <a:t>Objectives</a:t>
+            </a:r>
+          </a:p>
+        </p:txBody>
+      </p:sp>
+      <p:cxnSp>
+        <p:nvCxnSpPr>
+          <p:cNvPr id="11" name="Straight Connector 10">
+            <a:extLst>
+              <a:ext uri="{FF2B5EF4-FFF2-40B4-BE49-F238E27FC236}">
+                <a16:creationId xmlns:a16="http://schemas.microsoft.com/office/drawing/2014/main" id="{2F4887F8-FE24-7C33-B554-EB586072DFE3}"/>
+              </a:ext>
+            </a:extLst>
+          </p:cNvPr>
+          <p:cNvCxnSpPr/>
+          <p:nvPr/>
+        </p:nvCxnSpPr>
+        <p:spPr>
+          <a:xfrm>
+            <a:off x="349249" y="1174750"/>
+            <a:ext cx="11036300" cy="0"/>
+          </a:xfrm>
+          <a:prstGeom prst="line">
+            <a:avLst/>
+          </a:prstGeom>
+        </p:spPr>
+        <p:style>
+          <a:lnRef idx="3">
+            <a:schemeClr val="accent2"/>
+          </a:lnRef>
+          <a:fillRef idx="0">
+            <a:schemeClr val="accent2"/>
+          </a:fillRef>
+          <a:effectRef idx="2">
+            <a:schemeClr val="accent2"/>
+          </a:effectRef>
+          <a:fontRef idx="minor">
+            <a:schemeClr val="tx1"/>
+          </a:fontRef>
+        </p:style>
+      </p:cxnSp>
+      <p:sp>
+        <p:nvSpPr>
+          <p:cNvPr id="10" name="TextBox 9">
+            <a:extLst>
+              <a:ext uri="{FF2B5EF4-FFF2-40B4-BE49-F238E27FC236}">
+                <a16:creationId xmlns:a16="http://schemas.microsoft.com/office/drawing/2014/main" id="{AD610D6C-E674-9375-8FF2-BBFAB238FDEA}"/>
+              </a:ext>
+            </a:extLst>
+          </p:cNvPr>
+          <p:cNvSpPr txBox="1"/>
+          <p:nvPr/>
+        </p:nvSpPr>
+        <p:spPr>
+          <a:xfrm>
+            <a:off x="10888869" y="6396382"/>
+            <a:ext cx="633507" cy="369332"/>
+          </a:xfrm>
+          <a:prstGeom prst="rect">
+            <a:avLst/>
+          </a:prstGeom>
+          <a:noFill/>
+        </p:spPr>
+        <p:txBody>
+          <a:bodyPr wrap="none" rtlCol="0">
+            <a:spAutoFit/>
+          </a:bodyPr>
+          <a:lstStyle/>
+          <a:p>
+            <a:r>
+              <a:rPr lang="en-US" dirty="0"/>
+              <a:t>1/10</a:t>
+            </a:r>
+          </a:p>
+        </p:txBody>
+      </p:sp>
+    </p:spTree>
+    <p:extLst>
+      <p:ext uri="{BB962C8B-B14F-4D97-AF65-F5344CB8AC3E}">
+        <p14:creationId xmlns:p14="http://schemas.microsoft.com/office/powerpoint/2010/main" val="4223711558"/>
+      </p:ext>
+    </p:extLst>
+  </p:cSld>
+  <p:clrMapOvr>
+    <a:masterClrMapping/>
+  </p:clrMapOvr>
+</p:sld>
+</file>
+
+<file path=ppt/slides/slide4.xml><?xml version="1.0" encoding="utf-8"?>
+<p:sld xmlns:a="http://schemas.openxmlformats.org/drawingml/2006/main" xmlns:r="http://schemas.openxmlformats.org/officeDocument/2006/relationships" xmlns:p="http://schemas.openxmlformats.org/presentationml/2006/main">
+  <p:cSld>
+    <p:spTree>
+      <p:nvGrpSpPr>
+        <p:cNvPr id="1" name="">
+          <a:extLst>
+            <a:ext uri="{FF2B5EF4-FFF2-40B4-BE49-F238E27FC236}">
+              <a16:creationId xmlns:a16="http://schemas.microsoft.com/office/drawing/2014/main" id="{624CB44C-AC2D-18B3-ECAE-492F37D3CE6F}"/>
+            </a:ext>
+          </a:extLst>
+        </p:cNvPr>
+        <p:cNvGrpSpPr/>
+        <p:nvPr/>
+      </p:nvGrpSpPr>
+      <p:grpSpPr>
+        <a:xfrm>
+          <a:off x="0" y="0"/>
+          <a:ext cx="0" cy="0"/>
+          <a:chOff x="0" y="0"/>
+          <a:chExt cx="0" cy="0"/>
+        </a:xfrm>
+      </p:grpSpPr>
+      <p:sp>
+        <p:nvSpPr>
+          <p:cNvPr id="4" name="Title 3">
+            <a:extLst>
+              <a:ext uri="{FF2B5EF4-FFF2-40B4-BE49-F238E27FC236}">
+                <a16:creationId xmlns:a16="http://schemas.microsoft.com/office/drawing/2014/main" id="{5C461005-602E-C693-2EEA-CD48617DDB10}"/>
+              </a:ext>
+            </a:extLst>
+          </p:cNvPr>
+          <p:cNvSpPr>
+            <a:spLocks noGrp="1"/>
+          </p:cNvSpPr>
+          <p:nvPr>
+            <p:ph type="title"/>
+          </p:nvPr>
+        </p:nvSpPr>
+        <p:spPr>
+          <a:xfrm>
+            <a:off x="444500" y="430609"/>
+            <a:ext cx="11210544" cy="557784"/>
+          </a:xfrm>
+        </p:spPr>
+        <p:txBody>
+          <a:bodyPr>
+            <a:normAutofit fontScale="90000"/>
+          </a:bodyPr>
+          <a:lstStyle/>
+          <a:p>
+            <a:r>
+              <a:rPr lang="en-US" dirty="0"/>
+              <a:t>SRS Verification Plan</a:t>
+            </a:r>
+          </a:p>
+        </p:txBody>
+      </p:sp>
+      <p:cxnSp>
+        <p:nvCxnSpPr>
+          <p:cNvPr id="11" name="Straight Connector 10">
+            <a:extLst>
+              <a:ext uri="{FF2B5EF4-FFF2-40B4-BE49-F238E27FC236}">
+                <a16:creationId xmlns:a16="http://schemas.microsoft.com/office/drawing/2014/main" id="{3750D0D8-AE64-CEB2-FB0C-67F584732F2E}"/>
+              </a:ext>
+            </a:extLst>
+          </p:cNvPr>
+          <p:cNvCxnSpPr/>
+          <p:nvPr/>
+        </p:nvCxnSpPr>
+        <p:spPr>
+          <a:xfrm>
+            <a:off x="349249" y="1174750"/>
+            <a:ext cx="11036300" cy="0"/>
+          </a:xfrm>
+          <a:prstGeom prst="line">
+            <a:avLst/>
+          </a:prstGeom>
+        </p:spPr>
+        <p:style>
+          <a:lnRef idx="3">
+            <a:schemeClr val="accent2"/>
+          </a:lnRef>
+          <a:fillRef idx="0">
+            <a:schemeClr val="accent2"/>
+          </a:fillRef>
+          <a:effectRef idx="2">
+            <a:schemeClr val="accent2"/>
+          </a:effectRef>
+          <a:fontRef idx="minor">
+            <a:schemeClr val="tx1"/>
+          </a:fontRef>
+        </p:style>
+      </p:cxnSp>
+      <p:sp>
+        <p:nvSpPr>
+          <p:cNvPr id="10" name="TextBox 9">
+            <a:extLst>
+              <a:ext uri="{FF2B5EF4-FFF2-40B4-BE49-F238E27FC236}">
+                <a16:creationId xmlns:a16="http://schemas.microsoft.com/office/drawing/2014/main" id="{B92AB4F6-5805-5DAD-6EAA-8F38688D8893}"/>
+              </a:ext>
+            </a:extLst>
+          </p:cNvPr>
+          <p:cNvSpPr txBox="1"/>
+          <p:nvPr/>
+        </p:nvSpPr>
+        <p:spPr>
+          <a:xfrm>
+            <a:off x="10888869" y="6396382"/>
+            <a:ext cx="633507" cy="369332"/>
+          </a:xfrm>
+          <a:prstGeom prst="rect">
+            <a:avLst/>
+          </a:prstGeom>
+          <a:noFill/>
+        </p:spPr>
+        <p:txBody>
+          <a:bodyPr wrap="none" rtlCol="0">
+            <a:spAutoFit/>
+          </a:bodyPr>
+          <a:lstStyle/>
+          <a:p>
+            <a:r>
+              <a:rPr lang="en-US" dirty="0"/>
+              <a:t>1/10</a:t>
+            </a:r>
+          </a:p>
+        </p:txBody>
+      </p:sp>
+    </p:spTree>
+    <p:extLst>
+      <p:ext uri="{BB962C8B-B14F-4D97-AF65-F5344CB8AC3E}">
+        <p14:creationId xmlns:p14="http://schemas.microsoft.com/office/powerpoint/2010/main" val="2772425584"/>
+      </p:ext>
+    </p:extLst>
+  </p:cSld>
+  <p:clrMapOvr>
+    <a:masterClrMapping/>
+  </p:clrMapOvr>
+</p:sld>
+</file>
+
+<file path=ppt/slides/slide5.xml><?xml version="1.0" encoding="utf-8"?>
+<p:sld xmlns:a="http://schemas.openxmlformats.org/drawingml/2006/main" xmlns:r="http://schemas.openxmlformats.org/officeDocument/2006/relationships" xmlns:p="http://schemas.openxmlformats.org/presentationml/2006/main">
+  <p:cSld>
+    <p:spTree>
+      <p:nvGrpSpPr>
+        <p:cNvPr id="1" name="">
+          <a:extLst>
+            <a:ext uri="{FF2B5EF4-FFF2-40B4-BE49-F238E27FC236}">
+              <a16:creationId xmlns:a16="http://schemas.microsoft.com/office/drawing/2014/main" id="{115D165A-FD3B-77A1-637E-7219852F4FC1}"/>
+            </a:ext>
+          </a:extLst>
+        </p:cNvPr>
+        <p:cNvGrpSpPr/>
+        <p:nvPr/>
+      </p:nvGrpSpPr>
+      <p:grpSpPr>
+        <a:xfrm>
+          <a:off x="0" y="0"/>
+          <a:ext cx="0" cy="0"/>
+          <a:chOff x="0" y="0"/>
+          <a:chExt cx="0" cy="0"/>
+        </a:xfrm>
+      </p:grpSpPr>
+      <p:sp>
+        <p:nvSpPr>
+          <p:cNvPr id="4" name="Title 3">
+            <a:extLst>
+              <a:ext uri="{FF2B5EF4-FFF2-40B4-BE49-F238E27FC236}">
+                <a16:creationId xmlns:a16="http://schemas.microsoft.com/office/drawing/2014/main" id="{80DA01E0-1558-ECEE-2B6A-274B856C1C14}"/>
+              </a:ext>
+            </a:extLst>
+          </p:cNvPr>
+          <p:cNvSpPr>
+            <a:spLocks noGrp="1"/>
+          </p:cNvSpPr>
+          <p:nvPr>
+            <p:ph type="title"/>
+          </p:nvPr>
+        </p:nvSpPr>
+        <p:spPr>
+          <a:xfrm>
+            <a:off x="444500" y="430609"/>
+            <a:ext cx="11210544" cy="557784"/>
+          </a:xfrm>
+        </p:spPr>
+        <p:txBody>
+          <a:bodyPr>
+            <a:normAutofit fontScale="90000"/>
+          </a:bodyPr>
+          <a:lstStyle/>
+          <a:p>
+            <a:r>
+              <a:rPr lang="en-US" dirty="0"/>
+              <a:t>Design Verification Plan</a:t>
+            </a:r>
+          </a:p>
+        </p:txBody>
+      </p:sp>
+      <p:cxnSp>
+        <p:nvCxnSpPr>
+          <p:cNvPr id="11" name="Straight Connector 10">
+            <a:extLst>
+              <a:ext uri="{FF2B5EF4-FFF2-40B4-BE49-F238E27FC236}">
+                <a16:creationId xmlns:a16="http://schemas.microsoft.com/office/drawing/2014/main" id="{79A48496-8359-357E-67CB-F2165ACACFA0}"/>
+              </a:ext>
+            </a:extLst>
+          </p:cNvPr>
+          <p:cNvCxnSpPr/>
+          <p:nvPr/>
+        </p:nvCxnSpPr>
+        <p:spPr>
+          <a:xfrm>
+            <a:off x="349249" y="1174750"/>
+            <a:ext cx="11036300" cy="0"/>
+          </a:xfrm>
+          <a:prstGeom prst="line">
+            <a:avLst/>
+          </a:prstGeom>
+        </p:spPr>
+        <p:style>
+          <a:lnRef idx="3">
+            <a:schemeClr val="accent2"/>
+          </a:lnRef>
+          <a:fillRef idx="0">
+            <a:schemeClr val="accent2"/>
+          </a:fillRef>
+          <a:effectRef idx="2">
+            <a:schemeClr val="accent2"/>
+          </a:effectRef>
+          <a:fontRef idx="minor">
+            <a:schemeClr val="tx1"/>
+          </a:fontRef>
+        </p:style>
+      </p:cxnSp>
+      <p:sp>
+        <p:nvSpPr>
+          <p:cNvPr id="10" name="TextBox 9">
+            <a:extLst>
+              <a:ext uri="{FF2B5EF4-FFF2-40B4-BE49-F238E27FC236}">
+                <a16:creationId xmlns:a16="http://schemas.microsoft.com/office/drawing/2014/main" id="{51EB6F7F-82C1-BBFA-C0DC-F14D79846807}"/>
+              </a:ext>
+            </a:extLst>
+          </p:cNvPr>
+          <p:cNvSpPr txBox="1"/>
+          <p:nvPr/>
+        </p:nvSpPr>
+        <p:spPr>
+          <a:xfrm>
+            <a:off x="10888869" y="6396382"/>
+            <a:ext cx="633507" cy="369332"/>
+          </a:xfrm>
+          <a:prstGeom prst="rect">
+            <a:avLst/>
+          </a:prstGeom>
+          <a:noFill/>
+        </p:spPr>
+        <p:txBody>
+          <a:bodyPr wrap="none" rtlCol="0">
+            <a:spAutoFit/>
+          </a:bodyPr>
+          <a:lstStyle/>
+          <a:p>
+            <a:r>
+              <a:rPr lang="en-US" dirty="0"/>
+              <a:t>1/10</a:t>
+            </a:r>
+          </a:p>
+        </p:txBody>
+      </p:sp>
+    </p:spTree>
+    <p:extLst>
+      <p:ext uri="{BB962C8B-B14F-4D97-AF65-F5344CB8AC3E}">
+        <p14:creationId xmlns:p14="http://schemas.microsoft.com/office/powerpoint/2010/main" val="103812841"/>
+      </p:ext>
+    </p:extLst>
+  </p:cSld>
+  <p:clrMapOvr>
+    <a:masterClrMapping/>
+  </p:clrMapOvr>
+</p:sld>
+</file>
+
+<file path=ppt/slides/slide6.xml><?xml version="1.0" encoding="utf-8"?>
+<p:sld xmlns:a="http://schemas.openxmlformats.org/drawingml/2006/main" xmlns:r="http://schemas.openxmlformats.org/officeDocument/2006/relationships" xmlns:p="http://schemas.openxmlformats.org/presentationml/2006/main">
+  <p:cSld>
+    <p:spTree>
+      <p:nvGrpSpPr>
+        <p:cNvPr id="1" name="">
+          <a:extLst>
+            <a:ext uri="{FF2B5EF4-FFF2-40B4-BE49-F238E27FC236}">
+              <a16:creationId xmlns:a16="http://schemas.microsoft.com/office/drawing/2014/main" id="{8B8D97A7-D561-51D3-4F6D-78404FA3B405}"/>
+            </a:ext>
+          </a:extLst>
+        </p:cNvPr>
+        <p:cNvGrpSpPr/>
+        <p:nvPr/>
+      </p:nvGrpSpPr>
+      <p:grpSpPr>
+        <a:xfrm>
+          <a:off x="0" y="0"/>
+          <a:ext cx="0" cy="0"/>
+          <a:chOff x="0" y="0"/>
+          <a:chExt cx="0" cy="0"/>
+        </a:xfrm>
+      </p:grpSpPr>
+      <p:sp>
+        <p:nvSpPr>
+          <p:cNvPr id="4" name="Title 3">
+            <a:extLst>
+              <a:ext uri="{FF2B5EF4-FFF2-40B4-BE49-F238E27FC236}">
+                <a16:creationId xmlns:a16="http://schemas.microsoft.com/office/drawing/2014/main" id="{0B05EB36-E3F6-DF82-C9B9-7A2254F48408}"/>
+              </a:ext>
+            </a:extLst>
+          </p:cNvPr>
+          <p:cNvSpPr>
+            <a:spLocks noGrp="1"/>
+          </p:cNvSpPr>
+          <p:nvPr>
+            <p:ph type="title"/>
+          </p:nvPr>
+        </p:nvSpPr>
+        <p:spPr>
+          <a:xfrm>
+            <a:off x="444500" y="430609"/>
+            <a:ext cx="11210544" cy="557784"/>
+          </a:xfrm>
+        </p:spPr>
+        <p:txBody>
+          <a:bodyPr>
+            <a:normAutofit fontScale="90000"/>
+          </a:bodyPr>
+          <a:lstStyle/>
+          <a:p>
+            <a:r>
+              <a:rPr lang="en-US" dirty="0"/>
+              <a:t>Verification and Validation Plan Verification Plan</a:t>
+            </a:r>
+          </a:p>
+        </p:txBody>
+      </p:sp>
+      <p:cxnSp>
+        <p:nvCxnSpPr>
+          <p:cNvPr id="11" name="Straight Connector 10">
+            <a:extLst>
+              <a:ext uri="{FF2B5EF4-FFF2-40B4-BE49-F238E27FC236}">
+                <a16:creationId xmlns:a16="http://schemas.microsoft.com/office/drawing/2014/main" id="{0BBA11B5-E341-8A6E-D376-C747D3017B1F}"/>
+              </a:ext>
+            </a:extLst>
+          </p:cNvPr>
+          <p:cNvCxnSpPr/>
+          <p:nvPr/>
+        </p:nvCxnSpPr>
+        <p:spPr>
+          <a:xfrm>
+            <a:off x="349249" y="1174750"/>
+            <a:ext cx="11036300" cy="0"/>
+          </a:xfrm>
+          <a:prstGeom prst="line">
+            <a:avLst/>
+          </a:prstGeom>
+        </p:spPr>
+        <p:style>
+          <a:lnRef idx="3">
+            <a:schemeClr val="accent2"/>
+          </a:lnRef>
+          <a:fillRef idx="0">
+            <a:schemeClr val="accent2"/>
+          </a:fillRef>
+          <a:effectRef idx="2">
+            <a:schemeClr val="accent2"/>
+          </a:effectRef>
+          <a:fontRef idx="minor">
+            <a:schemeClr val="tx1"/>
+          </a:fontRef>
+        </p:style>
+      </p:cxnSp>
+      <p:sp>
+        <p:nvSpPr>
+          <p:cNvPr id="10" name="TextBox 9">
+            <a:extLst>
+              <a:ext uri="{FF2B5EF4-FFF2-40B4-BE49-F238E27FC236}">
+                <a16:creationId xmlns:a16="http://schemas.microsoft.com/office/drawing/2014/main" id="{E205441A-63B8-DD34-B71C-2431BABB98B0}"/>
+              </a:ext>
+            </a:extLst>
+          </p:cNvPr>
+          <p:cNvSpPr txBox="1"/>
+          <p:nvPr/>
+        </p:nvSpPr>
+        <p:spPr>
+          <a:xfrm>
+            <a:off x="10888869" y="6396382"/>
+            <a:ext cx="633507" cy="369332"/>
+          </a:xfrm>
+          <a:prstGeom prst="rect">
+            <a:avLst/>
+          </a:prstGeom>
+          <a:noFill/>
+        </p:spPr>
+        <p:txBody>
+          <a:bodyPr wrap="none" rtlCol="0">
+            <a:spAutoFit/>
+          </a:bodyPr>
+          <a:lstStyle/>
+          <a:p>
+            <a:r>
+              <a:rPr lang="en-US" dirty="0"/>
+              <a:t>1/10</a:t>
+            </a:r>
+          </a:p>
+        </p:txBody>
+      </p:sp>
+    </p:spTree>
+    <p:extLst>
+      <p:ext uri="{BB962C8B-B14F-4D97-AF65-F5344CB8AC3E}">
+        <p14:creationId xmlns:p14="http://schemas.microsoft.com/office/powerpoint/2010/main" val="1787433922"/>
+      </p:ext>
+    </p:extLst>
+  </p:cSld>
+  <p:clrMapOvr>
+    <a:masterClrMapping/>
+  </p:clrMapOvr>
+</p:sld>
+</file>
+
+<file path=ppt/slides/slide7.xml><?xml version="1.0" encoding="utf-8"?>
+<p:sld xmlns:a="http://schemas.openxmlformats.org/drawingml/2006/main" xmlns:r="http://schemas.openxmlformats.org/officeDocument/2006/relationships" xmlns:p="http://schemas.openxmlformats.org/presentationml/2006/main">
+  <p:cSld>
+    <p:spTree>
+      <p:nvGrpSpPr>
+        <p:cNvPr id="1" name="">
+          <a:extLst>
+            <a:ext uri="{FF2B5EF4-FFF2-40B4-BE49-F238E27FC236}">
+              <a16:creationId xmlns:a16="http://schemas.microsoft.com/office/drawing/2014/main" id="{D1058EDF-97FB-59DF-A9F1-42629D7088C6}"/>
+            </a:ext>
+          </a:extLst>
+        </p:cNvPr>
+        <p:cNvGrpSpPr/>
+        <p:nvPr/>
+      </p:nvGrpSpPr>
+      <p:grpSpPr>
+        <a:xfrm>
+          <a:off x="0" y="0"/>
+          <a:ext cx="0" cy="0"/>
+          <a:chOff x="0" y="0"/>
+          <a:chExt cx="0" cy="0"/>
+        </a:xfrm>
+      </p:grpSpPr>
+      <p:sp>
+        <p:nvSpPr>
+          <p:cNvPr id="4" name="Title 3">
+            <a:extLst>
+              <a:ext uri="{FF2B5EF4-FFF2-40B4-BE49-F238E27FC236}">
+                <a16:creationId xmlns:a16="http://schemas.microsoft.com/office/drawing/2014/main" id="{1B99ED6D-4DC5-8EC5-F710-AE786B6811E9}"/>
+              </a:ext>
+            </a:extLst>
+          </p:cNvPr>
+          <p:cNvSpPr>
+            <a:spLocks noGrp="1"/>
+          </p:cNvSpPr>
+          <p:nvPr>
+            <p:ph type="title"/>
+          </p:nvPr>
+        </p:nvSpPr>
+        <p:spPr>
+          <a:xfrm>
+            <a:off x="444500" y="430609"/>
+            <a:ext cx="11210544" cy="557784"/>
+          </a:xfrm>
+        </p:spPr>
+        <p:txBody>
+          <a:bodyPr>
+            <a:normAutofit fontScale="90000"/>
+          </a:bodyPr>
+          <a:lstStyle/>
+          <a:p>
+            <a:r>
+              <a:rPr lang="en-US" dirty="0"/>
+              <a:t>Implementation Verification Plan</a:t>
+            </a:r>
+          </a:p>
+        </p:txBody>
+      </p:sp>
+      <p:cxnSp>
+        <p:nvCxnSpPr>
+          <p:cNvPr id="11" name="Straight Connector 10">
+            <a:extLst>
+              <a:ext uri="{FF2B5EF4-FFF2-40B4-BE49-F238E27FC236}">
+                <a16:creationId xmlns:a16="http://schemas.microsoft.com/office/drawing/2014/main" id="{C4BBC2F5-97C1-52B7-6322-62682A1B26CC}"/>
+              </a:ext>
+            </a:extLst>
+          </p:cNvPr>
+          <p:cNvCxnSpPr/>
+          <p:nvPr/>
+        </p:nvCxnSpPr>
+        <p:spPr>
+          <a:xfrm>
+            <a:off x="349249" y="1174750"/>
+            <a:ext cx="11036300" cy="0"/>
+          </a:xfrm>
+          <a:prstGeom prst="line">
+            <a:avLst/>
+          </a:prstGeom>
+        </p:spPr>
+        <p:style>
+          <a:lnRef idx="3">
+            <a:schemeClr val="accent2"/>
+          </a:lnRef>
+          <a:fillRef idx="0">
+            <a:schemeClr val="accent2"/>
+          </a:fillRef>
+          <a:effectRef idx="2">
+            <a:schemeClr val="accent2"/>
+          </a:effectRef>
+          <a:fontRef idx="minor">
+            <a:schemeClr val="tx1"/>
+          </a:fontRef>
+        </p:style>
+      </p:cxnSp>
+      <p:sp>
+        <p:nvSpPr>
+          <p:cNvPr id="10" name="TextBox 9">
+            <a:extLst>
+              <a:ext uri="{FF2B5EF4-FFF2-40B4-BE49-F238E27FC236}">
+                <a16:creationId xmlns:a16="http://schemas.microsoft.com/office/drawing/2014/main" id="{C729F58C-890C-0D22-A090-DD7832A8FF1A}"/>
+              </a:ext>
+            </a:extLst>
+          </p:cNvPr>
+          <p:cNvSpPr txBox="1"/>
+          <p:nvPr/>
+        </p:nvSpPr>
+        <p:spPr>
+          <a:xfrm>
+            <a:off x="10888869" y="6396382"/>
+            <a:ext cx="633507" cy="369332"/>
+          </a:xfrm>
+          <a:prstGeom prst="rect">
+            <a:avLst/>
+          </a:prstGeom>
+          <a:noFill/>
+        </p:spPr>
+        <p:txBody>
+          <a:bodyPr wrap="none" rtlCol="0">
+            <a:spAutoFit/>
+          </a:bodyPr>
+          <a:lstStyle/>
+          <a:p>
+            <a:r>
+              <a:rPr lang="en-US" dirty="0"/>
+              <a:t>1/10</a:t>
+            </a:r>
+          </a:p>
+        </p:txBody>
+      </p:sp>
+    </p:spTree>
+    <p:extLst>
+      <p:ext uri="{BB962C8B-B14F-4D97-AF65-F5344CB8AC3E}">
+        <p14:creationId xmlns:p14="http://schemas.microsoft.com/office/powerpoint/2010/main" val="2708445753"/>
+      </p:ext>
+    </p:extLst>
+  </p:cSld>
+  <p:clrMapOvr>
+    <a:masterClrMapping/>
+  </p:clrMapOvr>
+</p:sld>
+</file>
+
+<file path=ppt/slides/slide8.xml><?xml version="1.0" encoding="utf-8"?>
 <p:sld xmlns:a="http://schemas.openxmlformats.org/drawingml/2006/main" xmlns:r="http://schemas.openxmlformats.org/officeDocument/2006/relationships" xmlns:p="http://schemas.openxmlformats.org/presentationml/2006/main">
   <p:cSld>
     <p:spTree>
@@ -4108,12 +5183,18 @@
 </p:sld>
 </file>
 
-<file path=ppt/slides/slide4.xml><?xml version="1.0" encoding="utf-8"?>
+<file path=ppt/slides/slide9.xml><?xml version="1.0" encoding="utf-8"?>
 <p:sld xmlns:a="http://schemas.openxmlformats.org/drawingml/2006/main" xmlns:r="http://schemas.openxmlformats.org/officeDocument/2006/relationships" xmlns:p="http://schemas.openxmlformats.org/presentationml/2006/main">
   <p:cSld>
     <p:spTree>
       <p:nvGrpSpPr>
-        <p:cNvPr id="1" name=""/>
+        <p:cNvPr id="1" name="">
+          <a:extLst>
+            <a:ext uri="{FF2B5EF4-FFF2-40B4-BE49-F238E27FC236}">
+              <a16:creationId xmlns:a16="http://schemas.microsoft.com/office/drawing/2014/main" id="{E3C5C411-8CF7-D3B7-6DA6-98691AC79587}"/>
+            </a:ext>
+          </a:extLst>
+        </p:cNvPr>
         <p:cNvGrpSpPr/>
         <p:nvPr/>
       </p:nvGrpSpPr>
@@ -4127,10 +5208,10 @@
       </p:grpSpPr>
       <p:sp>
         <p:nvSpPr>
-          <p:cNvPr id="2" name="Title 1">
-            <a:extLst>
-              <a:ext uri="{FF2B5EF4-FFF2-40B4-BE49-F238E27FC236}">
-                <a16:creationId xmlns:a16="http://schemas.microsoft.com/office/drawing/2014/main" id="{7118E9ED-0EC3-8DF1-85C3-EEEBE3C68A2B}"/>
+          <p:cNvPr id="4" name="Title 3">
+            <a:extLst>
+              <a:ext uri="{FF2B5EF4-FFF2-40B4-BE49-F238E27FC236}">
+                <a16:creationId xmlns:a16="http://schemas.microsoft.com/office/drawing/2014/main" id="{A167C1E3-840F-F96A-F790-362FBFA23354}"/>
               </a:ext>
             </a:extLst>
           </p:cNvPr>
@@ -4143,8 +5224,8 @@
         </p:nvSpPr>
         <p:spPr>
           <a:xfrm>
-            <a:off x="1959908" y="2766218"/>
-            <a:ext cx="8703610" cy="1325563"/>
+            <a:off x="444500" y="430609"/>
+            <a:ext cx="11210544" cy="557784"/>
           </a:xfrm>
         </p:spPr>
         <p:txBody>
@@ -4153,17 +5234,80 @@
           </a:bodyPr>
           <a:lstStyle/>
           <a:p>
-            <a:pPr algn="ctr"/>
-            <a:r>
-              <a:rPr lang="en-US" sz="8000" dirty="0"/>
-              <a:t>Thank you for listening.</a:t>
-            </a:r>
-            <a:br>
-              <a:rPr lang="en-US" sz="8000" dirty="0"/>
-            </a:br>
             <a:r>
               <a:rPr lang="en-US" dirty="0"/>
-              <a:t>Any questions?</a:t>
+              <a:t>Software Validation Plan - Tests for FR</a:t>
+            </a:r>
+          </a:p>
+        </p:txBody>
+      </p:sp>
+      <p:cxnSp>
+        <p:nvCxnSpPr>
+          <p:cNvPr id="11" name="Straight Connector 10">
+            <a:extLst>
+              <a:ext uri="{FF2B5EF4-FFF2-40B4-BE49-F238E27FC236}">
+                <a16:creationId xmlns:a16="http://schemas.microsoft.com/office/drawing/2014/main" id="{321E8CA3-219C-64B6-D070-1EA643BD0F2F}"/>
+              </a:ext>
+            </a:extLst>
+          </p:cNvPr>
+          <p:cNvCxnSpPr/>
+          <p:nvPr/>
+        </p:nvCxnSpPr>
+        <p:spPr>
+          <a:xfrm>
+            <a:off x="349249" y="1174750"/>
+            <a:ext cx="11036300" cy="0"/>
+          </a:xfrm>
+          <a:prstGeom prst="line">
+            <a:avLst/>
+          </a:prstGeom>
+        </p:spPr>
+        <p:style>
+          <a:lnRef idx="3">
+            <a:schemeClr val="accent2"/>
+          </a:lnRef>
+          <a:fillRef idx="0">
+            <a:schemeClr val="accent2"/>
+          </a:fillRef>
+          <a:effectRef idx="2">
+            <a:schemeClr val="accent2"/>
+          </a:effectRef>
+          <a:fontRef idx="minor">
+            <a:schemeClr val="tx1"/>
+          </a:fontRef>
+        </p:style>
+      </p:cxnSp>
+      <p:sp>
+        <p:nvSpPr>
+          <p:cNvPr id="10" name="TextBox 9">
+            <a:extLst>
+              <a:ext uri="{FF2B5EF4-FFF2-40B4-BE49-F238E27FC236}">
+                <a16:creationId xmlns:a16="http://schemas.microsoft.com/office/drawing/2014/main" id="{78BDDB8F-067E-F06E-581F-4D3945CBB834}"/>
+              </a:ext>
+            </a:extLst>
+          </p:cNvPr>
+          <p:cNvSpPr txBox="1"/>
+          <p:nvPr/>
+        </p:nvSpPr>
+        <p:spPr>
+          <a:xfrm>
+            <a:off x="10888869" y="6396382"/>
+            <a:ext cx="633507" cy="369332"/>
+          </a:xfrm>
+          <a:prstGeom prst="rect">
+            <a:avLst/>
+          </a:prstGeom>
+          <a:noFill/>
+        </p:spPr>
+        <p:txBody>
+          <a:bodyPr wrap="none" rtlCol="0">
+            <a:spAutoFit/>
+          </a:bodyPr>
+          <a:lstStyle/>
+          <a:p>
+            <a:r>
+              <a:rPr lang="en-US" dirty="0"/>
+              <a:t>1/10</a:t>
             </a:r>
           </a:p>
         </p:txBody>
@@ -4171,7 +5315,7 @@
     </p:spTree>
     <p:extLst>
       <p:ext uri="{BB962C8B-B14F-4D97-AF65-F5344CB8AC3E}">
-        <p14:creationId xmlns:p14="http://schemas.microsoft.com/office/powerpoint/2010/main" val="1503242035"/>
+        <p14:creationId xmlns:p14="http://schemas.microsoft.com/office/powerpoint/2010/main" val="4185867722"/>
       </p:ext>
     </p:extLst>
   </p:cSld>

--- a/docs/Presentation/VnV.pptx
+++ b/docs/Presentation/VnV.pptx
@@ -14,9 +14,11 @@
     <p:sldId id="266" r:id="rId8"/>
     <p:sldId id="261" r:id="rId9"/>
     <p:sldId id="267" r:id="rId10"/>
-    <p:sldId id="268" r:id="rId11"/>
-    <p:sldId id="269" r:id="rId12"/>
-    <p:sldId id="260" r:id="rId13"/>
+    <p:sldId id="270" r:id="rId11"/>
+    <p:sldId id="271" r:id="rId12"/>
+    <p:sldId id="268" r:id="rId13"/>
+    <p:sldId id="269" r:id="rId14"/>
+    <p:sldId id="260" r:id="rId15"/>
   </p:sldIdLst>
   <p:sldSz cx="12192000" cy="6858000"/>
   <p:notesSz cx="6858000" cy="9144000"/>
@@ -3482,6 +3484,712 @@
         <p:cNvPr id="1" name="">
           <a:extLst>
             <a:ext uri="{FF2B5EF4-FFF2-40B4-BE49-F238E27FC236}">
+              <a16:creationId xmlns:a16="http://schemas.microsoft.com/office/drawing/2014/main" id="{5F23AFD7-94BB-E04A-ED91-39F9B033D8A9}"/>
+            </a:ext>
+          </a:extLst>
+        </p:cNvPr>
+        <p:cNvGrpSpPr/>
+        <p:nvPr/>
+      </p:nvGrpSpPr>
+      <p:grpSpPr>
+        <a:xfrm>
+          <a:off x="0" y="0"/>
+          <a:ext cx="0" cy="0"/>
+          <a:chOff x="0" y="0"/>
+          <a:chExt cx="0" cy="0"/>
+        </a:xfrm>
+      </p:grpSpPr>
+      <p:sp>
+        <p:nvSpPr>
+          <p:cNvPr id="4" name="Title 3">
+            <a:extLst>
+              <a:ext uri="{FF2B5EF4-FFF2-40B4-BE49-F238E27FC236}">
+                <a16:creationId xmlns:a16="http://schemas.microsoft.com/office/drawing/2014/main" id="{6DC0658A-6919-02AD-9B9C-0AD92545E6CD}"/>
+              </a:ext>
+            </a:extLst>
+          </p:cNvPr>
+          <p:cNvSpPr>
+            <a:spLocks noGrp="1"/>
+          </p:cNvSpPr>
+          <p:nvPr>
+            <p:ph type="title"/>
+          </p:nvPr>
+        </p:nvSpPr>
+        <p:spPr>
+          <a:xfrm>
+            <a:off x="444500" y="430609"/>
+            <a:ext cx="11210544" cy="557784"/>
+          </a:xfrm>
+        </p:spPr>
+        <p:txBody>
+          <a:bodyPr>
+            <a:normAutofit fontScale="90000"/>
+          </a:bodyPr>
+          <a:lstStyle/>
+          <a:p>
+            <a:r>
+              <a:rPr lang="en-US" dirty="0"/>
+              <a:t>Software Validation Plan - Tests for FR</a:t>
+            </a:r>
+          </a:p>
+        </p:txBody>
+      </p:sp>
+      <p:cxnSp>
+        <p:nvCxnSpPr>
+          <p:cNvPr id="11" name="Straight Connector 10">
+            <a:extLst>
+              <a:ext uri="{FF2B5EF4-FFF2-40B4-BE49-F238E27FC236}">
+                <a16:creationId xmlns:a16="http://schemas.microsoft.com/office/drawing/2014/main" id="{ACBD0236-A4C2-347A-E549-30DF502460C9}"/>
+              </a:ext>
+            </a:extLst>
+          </p:cNvPr>
+          <p:cNvCxnSpPr/>
+          <p:nvPr/>
+        </p:nvCxnSpPr>
+        <p:spPr>
+          <a:xfrm>
+            <a:off x="349249" y="1174750"/>
+            <a:ext cx="11036300" cy="0"/>
+          </a:xfrm>
+          <a:prstGeom prst="line">
+            <a:avLst/>
+          </a:prstGeom>
+        </p:spPr>
+        <p:style>
+          <a:lnRef idx="3">
+            <a:schemeClr val="accent2"/>
+          </a:lnRef>
+          <a:fillRef idx="0">
+            <a:schemeClr val="accent2"/>
+          </a:fillRef>
+          <a:effectRef idx="2">
+            <a:schemeClr val="accent2"/>
+          </a:effectRef>
+          <a:fontRef idx="minor">
+            <a:schemeClr val="tx1"/>
+          </a:fontRef>
+        </p:style>
+      </p:cxnSp>
+      <p:sp>
+        <p:nvSpPr>
+          <p:cNvPr id="10" name="TextBox 9">
+            <a:extLst>
+              <a:ext uri="{FF2B5EF4-FFF2-40B4-BE49-F238E27FC236}">
+                <a16:creationId xmlns:a16="http://schemas.microsoft.com/office/drawing/2014/main" id="{15F7D283-6650-FDDB-4FB4-21DD8365A2AC}"/>
+              </a:ext>
+            </a:extLst>
+          </p:cNvPr>
+          <p:cNvSpPr txBox="1"/>
+          <p:nvPr/>
+        </p:nvSpPr>
+        <p:spPr>
+          <a:xfrm>
+            <a:off x="10888869" y="6396382"/>
+            <a:ext cx="633507" cy="369332"/>
+          </a:xfrm>
+          <a:prstGeom prst="rect">
+            <a:avLst/>
+          </a:prstGeom>
+          <a:noFill/>
+        </p:spPr>
+        <p:txBody>
+          <a:bodyPr wrap="none" rtlCol="0">
+            <a:spAutoFit/>
+          </a:bodyPr>
+          <a:lstStyle/>
+          <a:p>
+            <a:r>
+              <a:rPr lang="en-US" dirty="0"/>
+              <a:t>1/10</a:t>
+            </a:r>
+          </a:p>
+        </p:txBody>
+      </p:sp>
+      <p:sp>
+        <p:nvSpPr>
+          <p:cNvPr id="2" name="TextBox 1">
+            <a:extLst>
+              <a:ext uri="{FF2B5EF4-FFF2-40B4-BE49-F238E27FC236}">
+                <a16:creationId xmlns:a16="http://schemas.microsoft.com/office/drawing/2014/main" id="{F2C0830D-A811-3D31-5025-39C2F440B718}"/>
+              </a:ext>
+            </a:extLst>
+          </p:cNvPr>
+          <p:cNvSpPr txBox="1"/>
+          <p:nvPr/>
+        </p:nvSpPr>
+        <p:spPr>
+          <a:xfrm>
+            <a:off x="349249" y="2301700"/>
+            <a:ext cx="11036300" cy="1261884"/>
+          </a:xfrm>
+          <a:prstGeom prst="rect">
+            <a:avLst/>
+          </a:prstGeom>
+          <a:noFill/>
+        </p:spPr>
+        <p:txBody>
+          <a:bodyPr wrap="square">
+            <a:spAutoFit/>
+          </a:bodyPr>
+          <a:lstStyle/>
+          <a:p>
+            <a:r>
+              <a:rPr lang="en-US" sz="2800" b="1" dirty="0"/>
+              <a:t>FR4: squaring function</a:t>
+            </a:r>
+          </a:p>
+          <a:p>
+            <a:r>
+              <a:rPr lang="en-US" sz="2400" dirty="0"/>
+              <a:t>Sample input: </a:t>
+            </a:r>
+            <a:r>
+              <a:rPr lang="en-US" sz="2400" dirty="0">
+                <a:solidFill>
+                  <a:schemeClr val="accent2">
+                    <a:lumMod val="75000"/>
+                  </a:schemeClr>
+                </a:solidFill>
+              </a:rPr>
+              <a:t>[1.2, -2.1, -1.0, 2.0, 3.0]</a:t>
+            </a:r>
+          </a:p>
+          <a:p>
+            <a:r>
+              <a:rPr lang="en-US" sz="2400" dirty="0"/>
+              <a:t>Sample output: </a:t>
+            </a:r>
+            <a:r>
+              <a:rPr lang="en-US" sz="2400" dirty="0">
+                <a:solidFill>
+                  <a:schemeClr val="accent2">
+                    <a:lumMod val="75000"/>
+                  </a:schemeClr>
+                </a:solidFill>
+              </a:rPr>
+              <a:t>[1.44, 4.2, 1.0, 4.0, 9.0]</a:t>
+            </a:r>
+          </a:p>
+        </p:txBody>
+      </p:sp>
+      <p:sp>
+        <p:nvSpPr>
+          <p:cNvPr id="3" name="TextBox 2">
+            <a:extLst>
+              <a:ext uri="{FF2B5EF4-FFF2-40B4-BE49-F238E27FC236}">
+                <a16:creationId xmlns:a16="http://schemas.microsoft.com/office/drawing/2014/main" id="{DF513402-B45C-E2B3-AD84-5A9EF2C3CFC5}"/>
+              </a:ext>
+            </a:extLst>
+          </p:cNvPr>
+          <p:cNvSpPr txBox="1"/>
+          <p:nvPr/>
+        </p:nvSpPr>
+        <p:spPr>
+          <a:xfrm>
+            <a:off x="349249" y="3563584"/>
+            <a:ext cx="11036300" cy="1261884"/>
+          </a:xfrm>
+          <a:prstGeom prst="rect">
+            <a:avLst/>
+          </a:prstGeom>
+          <a:noFill/>
+        </p:spPr>
+        <p:txBody>
+          <a:bodyPr wrap="square">
+            <a:spAutoFit/>
+          </a:bodyPr>
+          <a:lstStyle/>
+          <a:p>
+            <a:r>
+              <a:rPr lang="en-US" sz="2800" b="1" dirty="0"/>
+              <a:t>FR5: thresholding function</a:t>
+            </a:r>
+          </a:p>
+          <a:p>
+            <a:r>
+              <a:rPr lang="en-US" sz="2400" dirty="0"/>
+              <a:t>Sample input: </a:t>
+            </a:r>
+            <a:r>
+              <a:rPr lang="en-US" sz="2400" dirty="0">
+                <a:solidFill>
+                  <a:schemeClr val="accent2">
+                    <a:lumMod val="75000"/>
+                  </a:schemeClr>
+                </a:solidFill>
+              </a:rPr>
+              <a:t>[1.44, 4.2, 1.0, 4.0, 9.0]</a:t>
+            </a:r>
+            <a:r>
+              <a:rPr lang="en-US" sz="2400" dirty="0"/>
+              <a:t>, dynamic threshold = </a:t>
+            </a:r>
+            <a:r>
+              <a:rPr lang="en-US" sz="2400" dirty="0">
+                <a:solidFill>
+                  <a:schemeClr val="accent2">
+                    <a:lumMod val="75000"/>
+                  </a:schemeClr>
+                </a:solidFill>
+              </a:rPr>
+              <a:t>[3.7, 3.8, 3.9, 3.6, 3.2]</a:t>
+            </a:r>
+          </a:p>
+          <a:p>
+            <a:r>
+              <a:rPr lang="en-US" sz="2400" dirty="0"/>
+              <a:t>Sample output: </a:t>
+            </a:r>
+            <a:r>
+              <a:rPr lang="en-US" sz="2400" dirty="0">
+                <a:solidFill>
+                  <a:schemeClr val="accent2">
+                    <a:lumMod val="75000"/>
+                  </a:schemeClr>
+                </a:solidFill>
+              </a:rPr>
+              <a:t>[0, 4.2, 0, 4.0, 9.0]</a:t>
+            </a:r>
+          </a:p>
+        </p:txBody>
+      </p:sp>
+      <p:sp>
+        <p:nvSpPr>
+          <p:cNvPr id="5" name="TextBox 4">
+            <a:extLst>
+              <a:ext uri="{FF2B5EF4-FFF2-40B4-BE49-F238E27FC236}">
+                <a16:creationId xmlns:a16="http://schemas.microsoft.com/office/drawing/2014/main" id="{D05F3FBA-1FF8-B202-B327-2DE2472DD094}"/>
+              </a:ext>
+            </a:extLst>
+          </p:cNvPr>
+          <p:cNvSpPr txBox="1"/>
+          <p:nvPr/>
+        </p:nvSpPr>
+        <p:spPr>
+          <a:xfrm>
+            <a:off x="349249" y="4762991"/>
+            <a:ext cx="11036300" cy="1261884"/>
+          </a:xfrm>
+          <a:prstGeom prst="rect">
+            <a:avLst/>
+          </a:prstGeom>
+          <a:noFill/>
+        </p:spPr>
+        <p:txBody>
+          <a:bodyPr wrap="square">
+            <a:spAutoFit/>
+          </a:bodyPr>
+          <a:lstStyle/>
+          <a:p>
+            <a:r>
+              <a:rPr lang="en-US" sz="2800" b="1" dirty="0"/>
+              <a:t>FR6: RMSE calculating function</a:t>
+            </a:r>
+          </a:p>
+          <a:p>
+            <a:r>
+              <a:rPr lang="en-US" sz="2400" dirty="0"/>
+              <a:t>Input A = </a:t>
+            </a:r>
+            <a:r>
+              <a:rPr lang="en-US" sz="2400" dirty="0">
+                <a:solidFill>
+                  <a:schemeClr val="accent2">
+                    <a:lumMod val="75000"/>
+                  </a:schemeClr>
+                </a:solidFill>
+              </a:rPr>
+              <a:t>[100, 200, 300, 400, 500] </a:t>
+            </a:r>
+            <a:r>
+              <a:rPr lang="en-US" sz="2400" dirty="0"/>
+              <a:t>B = </a:t>
+            </a:r>
+            <a:r>
+              <a:rPr lang="en-US" sz="2400" dirty="0">
+                <a:solidFill>
+                  <a:schemeClr val="accent2">
+                    <a:lumMod val="75000"/>
+                  </a:schemeClr>
+                </a:solidFill>
+              </a:rPr>
+              <a:t>[99, 203, 300, 398, 501]</a:t>
+            </a:r>
+          </a:p>
+          <a:p>
+            <a:r>
+              <a:rPr lang="en-US" sz="2400" dirty="0"/>
+              <a:t>Sample output: </a:t>
+            </a:r>
+            <a:r>
+              <a:rPr lang="en-US" sz="2400" dirty="0">
+                <a:solidFill>
+                  <a:schemeClr val="accent2">
+                    <a:lumMod val="75000"/>
+                  </a:schemeClr>
+                </a:solidFill>
+              </a:rPr>
+              <a:t>RMSE = 1.732</a:t>
+            </a:r>
+          </a:p>
+        </p:txBody>
+      </p:sp>
+      <p:sp>
+        <p:nvSpPr>
+          <p:cNvPr id="6" name="TextBox 5">
+            <a:extLst>
+              <a:ext uri="{FF2B5EF4-FFF2-40B4-BE49-F238E27FC236}">
+                <a16:creationId xmlns:a16="http://schemas.microsoft.com/office/drawing/2014/main" id="{DF7796FD-19A1-22EC-29B5-84D0964D4422}"/>
+              </a:ext>
+            </a:extLst>
+          </p:cNvPr>
+          <p:cNvSpPr txBox="1"/>
+          <p:nvPr/>
+        </p:nvSpPr>
+        <p:spPr>
+          <a:xfrm>
+            <a:off x="349249" y="1335334"/>
+            <a:ext cx="11036300" cy="892552"/>
+          </a:xfrm>
+          <a:prstGeom prst="rect">
+            <a:avLst/>
+          </a:prstGeom>
+          <a:noFill/>
+        </p:spPr>
+        <p:txBody>
+          <a:bodyPr wrap="square">
+            <a:spAutoFit/>
+          </a:bodyPr>
+          <a:lstStyle/>
+          <a:p>
+            <a:r>
+              <a:rPr lang="en-US" sz="2800" dirty="0"/>
+              <a:t>FRs related to mathematical functions</a:t>
+            </a:r>
+          </a:p>
+          <a:p>
+            <a:r>
+              <a:rPr lang="en-US" sz="2400" dirty="0"/>
+              <a:t>Test data comes from both manually selected and automatically generated.</a:t>
+            </a:r>
+          </a:p>
+        </p:txBody>
+      </p:sp>
+      <p:sp>
+        <p:nvSpPr>
+          <p:cNvPr id="9" name="TextBox 8">
+            <a:extLst>
+              <a:ext uri="{FF2B5EF4-FFF2-40B4-BE49-F238E27FC236}">
+                <a16:creationId xmlns:a16="http://schemas.microsoft.com/office/drawing/2014/main" id="{A73683DF-7C39-BE63-5EC6-494F9C2264D0}"/>
+              </a:ext>
+            </a:extLst>
+          </p:cNvPr>
+          <p:cNvSpPr txBox="1"/>
+          <p:nvPr/>
+        </p:nvSpPr>
+        <p:spPr>
+          <a:xfrm>
+            <a:off x="349249" y="6119383"/>
+            <a:ext cx="11036300" cy="461665"/>
+          </a:xfrm>
+          <a:prstGeom prst="rect">
+            <a:avLst/>
+          </a:prstGeom>
+          <a:noFill/>
+        </p:spPr>
+        <p:txBody>
+          <a:bodyPr wrap="square">
+            <a:spAutoFit/>
+          </a:bodyPr>
+          <a:lstStyle/>
+          <a:p>
+            <a:r>
+              <a:rPr lang="en-US" sz="2400" dirty="0"/>
+              <a:t>Use a threshold to check the equality of output real number</a:t>
+            </a:r>
+          </a:p>
+        </p:txBody>
+      </p:sp>
+    </p:spTree>
+    <p:extLst>
+      <p:ext uri="{BB962C8B-B14F-4D97-AF65-F5344CB8AC3E}">
+        <p14:creationId xmlns:p14="http://schemas.microsoft.com/office/powerpoint/2010/main" val="1381675686"/>
+      </p:ext>
+    </p:extLst>
+  </p:cSld>
+  <p:clrMapOvr>
+    <a:masterClrMapping/>
+  </p:clrMapOvr>
+</p:sld>
+</file>
+
+<file path=ppt/slides/slide11.xml><?xml version="1.0" encoding="utf-8"?>
+<p:sld xmlns:a="http://schemas.openxmlformats.org/drawingml/2006/main" xmlns:r="http://schemas.openxmlformats.org/officeDocument/2006/relationships" xmlns:p="http://schemas.openxmlformats.org/presentationml/2006/main">
+  <p:cSld>
+    <p:spTree>
+      <p:nvGrpSpPr>
+        <p:cNvPr id="1" name="">
+          <a:extLst>
+            <a:ext uri="{FF2B5EF4-FFF2-40B4-BE49-F238E27FC236}">
+              <a16:creationId xmlns:a16="http://schemas.microsoft.com/office/drawing/2014/main" id="{00C29D83-11D9-F853-0F2F-B735CC02E3DA}"/>
+            </a:ext>
+          </a:extLst>
+        </p:cNvPr>
+        <p:cNvGrpSpPr/>
+        <p:nvPr/>
+      </p:nvGrpSpPr>
+      <p:grpSpPr>
+        <a:xfrm>
+          <a:off x="0" y="0"/>
+          <a:ext cx="0" cy="0"/>
+          <a:chOff x="0" y="0"/>
+          <a:chExt cx="0" cy="0"/>
+        </a:xfrm>
+      </p:grpSpPr>
+      <p:sp>
+        <p:nvSpPr>
+          <p:cNvPr id="4" name="Title 3">
+            <a:extLst>
+              <a:ext uri="{FF2B5EF4-FFF2-40B4-BE49-F238E27FC236}">
+                <a16:creationId xmlns:a16="http://schemas.microsoft.com/office/drawing/2014/main" id="{FF6768F6-455F-25E9-9AE4-3413B4DF60F0}"/>
+              </a:ext>
+            </a:extLst>
+          </p:cNvPr>
+          <p:cNvSpPr>
+            <a:spLocks noGrp="1"/>
+          </p:cNvSpPr>
+          <p:nvPr>
+            <p:ph type="title"/>
+          </p:nvPr>
+        </p:nvSpPr>
+        <p:spPr>
+          <a:xfrm>
+            <a:off x="444500" y="430609"/>
+            <a:ext cx="11210544" cy="557784"/>
+          </a:xfrm>
+        </p:spPr>
+        <p:txBody>
+          <a:bodyPr>
+            <a:normAutofit fontScale="90000"/>
+          </a:bodyPr>
+          <a:lstStyle/>
+          <a:p>
+            <a:r>
+              <a:rPr lang="en-US" dirty="0"/>
+              <a:t>Software Validation Plan - Tests for FR</a:t>
+            </a:r>
+          </a:p>
+        </p:txBody>
+      </p:sp>
+      <p:cxnSp>
+        <p:nvCxnSpPr>
+          <p:cNvPr id="11" name="Straight Connector 10">
+            <a:extLst>
+              <a:ext uri="{FF2B5EF4-FFF2-40B4-BE49-F238E27FC236}">
+                <a16:creationId xmlns:a16="http://schemas.microsoft.com/office/drawing/2014/main" id="{5F12B747-21F4-1CC9-8A94-38AFD4517EFB}"/>
+              </a:ext>
+            </a:extLst>
+          </p:cNvPr>
+          <p:cNvCxnSpPr/>
+          <p:nvPr/>
+        </p:nvCxnSpPr>
+        <p:spPr>
+          <a:xfrm>
+            <a:off x="349249" y="1174750"/>
+            <a:ext cx="11036300" cy="0"/>
+          </a:xfrm>
+          <a:prstGeom prst="line">
+            <a:avLst/>
+          </a:prstGeom>
+        </p:spPr>
+        <p:style>
+          <a:lnRef idx="3">
+            <a:schemeClr val="accent2"/>
+          </a:lnRef>
+          <a:fillRef idx="0">
+            <a:schemeClr val="accent2"/>
+          </a:fillRef>
+          <a:effectRef idx="2">
+            <a:schemeClr val="accent2"/>
+          </a:effectRef>
+          <a:fontRef idx="minor">
+            <a:schemeClr val="tx1"/>
+          </a:fontRef>
+        </p:style>
+      </p:cxnSp>
+      <p:sp>
+        <p:nvSpPr>
+          <p:cNvPr id="10" name="TextBox 9">
+            <a:extLst>
+              <a:ext uri="{FF2B5EF4-FFF2-40B4-BE49-F238E27FC236}">
+                <a16:creationId xmlns:a16="http://schemas.microsoft.com/office/drawing/2014/main" id="{84401A2F-5A81-316A-A603-31B96E00FFFD}"/>
+              </a:ext>
+            </a:extLst>
+          </p:cNvPr>
+          <p:cNvSpPr txBox="1"/>
+          <p:nvPr/>
+        </p:nvSpPr>
+        <p:spPr>
+          <a:xfrm>
+            <a:off x="10888869" y="6396382"/>
+            <a:ext cx="633507" cy="369332"/>
+          </a:xfrm>
+          <a:prstGeom prst="rect">
+            <a:avLst/>
+          </a:prstGeom>
+          <a:noFill/>
+        </p:spPr>
+        <p:txBody>
+          <a:bodyPr wrap="none" rtlCol="0">
+            <a:spAutoFit/>
+          </a:bodyPr>
+          <a:lstStyle/>
+          <a:p>
+            <a:r>
+              <a:rPr lang="en-US" dirty="0"/>
+              <a:t>1/10</a:t>
+            </a:r>
+          </a:p>
+        </p:txBody>
+      </p:sp>
+      <p:sp>
+        <p:nvSpPr>
+          <p:cNvPr id="3" name="TextBox 2">
+            <a:extLst>
+              <a:ext uri="{FF2B5EF4-FFF2-40B4-BE49-F238E27FC236}">
+                <a16:creationId xmlns:a16="http://schemas.microsoft.com/office/drawing/2014/main" id="{409C2FC9-81F3-8054-B4E4-1F0262CDED32}"/>
+              </a:ext>
+            </a:extLst>
+          </p:cNvPr>
+          <p:cNvSpPr txBox="1"/>
+          <p:nvPr/>
+        </p:nvSpPr>
+        <p:spPr>
+          <a:xfrm>
+            <a:off x="349249" y="2257267"/>
+            <a:ext cx="11036300" cy="954107"/>
+          </a:xfrm>
+          <a:prstGeom prst="rect">
+            <a:avLst/>
+          </a:prstGeom>
+          <a:noFill/>
+        </p:spPr>
+        <p:txBody>
+          <a:bodyPr wrap="square">
+            <a:spAutoFit/>
+          </a:bodyPr>
+          <a:lstStyle/>
+          <a:p>
+            <a:r>
+              <a:rPr lang="en-US" sz="2800" b="1" dirty="0"/>
+              <a:t>FR7: use raw data to calculate R-wave position</a:t>
+            </a:r>
+          </a:p>
+          <a:p>
+            <a:r>
+              <a:rPr lang="en-US" sz="2800" dirty="0"/>
+              <a:t>Test</a:t>
+            </a:r>
+          </a:p>
+        </p:txBody>
+      </p:sp>
+      <p:sp>
+        <p:nvSpPr>
+          <p:cNvPr id="5" name="TextBox 4">
+            <a:extLst>
+              <a:ext uri="{FF2B5EF4-FFF2-40B4-BE49-F238E27FC236}">
+                <a16:creationId xmlns:a16="http://schemas.microsoft.com/office/drawing/2014/main" id="{4611967D-3644-CC24-8FE3-15A551B0EC05}"/>
+              </a:ext>
+            </a:extLst>
+          </p:cNvPr>
+          <p:cNvSpPr txBox="1"/>
+          <p:nvPr/>
+        </p:nvSpPr>
+        <p:spPr>
+          <a:xfrm>
+            <a:off x="349249" y="4485355"/>
+            <a:ext cx="11036300" cy="954107"/>
+          </a:xfrm>
+          <a:prstGeom prst="rect">
+            <a:avLst/>
+          </a:prstGeom>
+          <a:noFill/>
+        </p:spPr>
+        <p:txBody>
+          <a:bodyPr wrap="square">
+            <a:spAutoFit/>
+          </a:bodyPr>
+          <a:lstStyle/>
+          <a:p>
+            <a:r>
+              <a:rPr lang="en-US" sz="2800" b="1" dirty="0"/>
+              <a:t>FR8: use annotated data to calculate RMSE</a:t>
+            </a:r>
+          </a:p>
+          <a:p>
+            <a:r>
+              <a:rPr lang="en-US" sz="2800" dirty="0"/>
+              <a:t>Test</a:t>
+            </a:r>
+          </a:p>
+        </p:txBody>
+      </p:sp>
+      <p:sp>
+        <p:nvSpPr>
+          <p:cNvPr id="6" name="TextBox 5">
+            <a:extLst>
+              <a:ext uri="{FF2B5EF4-FFF2-40B4-BE49-F238E27FC236}">
+                <a16:creationId xmlns:a16="http://schemas.microsoft.com/office/drawing/2014/main" id="{B6569945-73ED-B424-DD59-852A93A036D8}"/>
+              </a:ext>
+            </a:extLst>
+          </p:cNvPr>
+          <p:cNvSpPr txBox="1"/>
+          <p:nvPr/>
+        </p:nvSpPr>
+        <p:spPr>
+          <a:xfrm>
+            <a:off x="349249" y="1431539"/>
+            <a:ext cx="11036300" cy="523220"/>
+          </a:xfrm>
+          <a:prstGeom prst="rect">
+            <a:avLst/>
+          </a:prstGeom>
+          <a:noFill/>
+        </p:spPr>
+        <p:txBody>
+          <a:bodyPr wrap="square">
+            <a:spAutoFit/>
+          </a:bodyPr>
+          <a:lstStyle/>
+          <a:p>
+            <a:r>
+              <a:rPr lang="en-US" sz="2800" dirty="0"/>
+              <a:t>FRs combine FR1 to FR6</a:t>
+            </a:r>
+          </a:p>
+        </p:txBody>
+      </p:sp>
+    </p:spTree>
+    <p:extLst>
+      <p:ext uri="{BB962C8B-B14F-4D97-AF65-F5344CB8AC3E}">
+        <p14:creationId xmlns:p14="http://schemas.microsoft.com/office/powerpoint/2010/main" val="2253429194"/>
+      </p:ext>
+    </p:extLst>
+  </p:cSld>
+  <p:clrMapOvr>
+    <a:masterClrMapping/>
+  </p:clrMapOvr>
+</p:sld>
+</file>
+
+<file path=ppt/slides/slide12.xml><?xml version="1.0" encoding="utf-8"?>
+<p:sld xmlns:a="http://schemas.openxmlformats.org/drawingml/2006/main" xmlns:r="http://schemas.openxmlformats.org/officeDocument/2006/relationships" xmlns:p="http://schemas.openxmlformats.org/presentationml/2006/main">
+  <p:cSld>
+    <p:spTree>
+      <p:nvGrpSpPr>
+        <p:cNvPr id="1" name="">
+          <a:extLst>
+            <a:ext uri="{FF2B5EF4-FFF2-40B4-BE49-F238E27FC236}">
               <a16:creationId xmlns:a16="http://schemas.microsoft.com/office/drawing/2014/main" id="{CAE1812C-5D01-A251-A329-2A4D42880DD4}"/>
             </a:ext>
           </a:extLst>
@@ -3603,6 +4311,94 @@
           </a:p>
         </p:txBody>
       </p:sp>
+      <p:sp>
+        <p:nvSpPr>
+          <p:cNvPr id="2" name="TextBox 1">
+            <a:extLst>
+              <a:ext uri="{FF2B5EF4-FFF2-40B4-BE49-F238E27FC236}">
+                <a16:creationId xmlns:a16="http://schemas.microsoft.com/office/drawing/2014/main" id="{202BC775-E5EB-714E-2E58-692C6553CFDC}"/>
+              </a:ext>
+            </a:extLst>
+          </p:cNvPr>
+          <p:cNvSpPr txBox="1"/>
+          <p:nvPr/>
+        </p:nvSpPr>
+        <p:spPr>
+          <a:xfrm>
+            <a:off x="349249" y="1243853"/>
+            <a:ext cx="11036300" cy="4832092"/>
+          </a:xfrm>
+          <a:prstGeom prst="rect">
+            <a:avLst/>
+          </a:prstGeom>
+          <a:noFill/>
+        </p:spPr>
+        <p:txBody>
+          <a:bodyPr wrap="square">
+            <a:spAutoFit/>
+          </a:bodyPr>
+          <a:lstStyle/>
+          <a:p>
+            <a:r>
+              <a:rPr lang="en-US" sz="2800" b="1" dirty="0"/>
+              <a:t>NFR1: Usability</a:t>
+            </a:r>
+          </a:p>
+          <a:p>
+            <a:r>
+              <a:rPr lang="en-US" sz="2800" dirty="0"/>
+              <a:t>Verify that external tool (</a:t>
+            </a:r>
+            <a:r>
+              <a:rPr lang="en-US" sz="2800" dirty="0" err="1"/>
+              <a:t>Doxygen</a:t>
+            </a:r>
+            <a:r>
+              <a:rPr lang="en-US" sz="2800" dirty="0"/>
+              <a:t>) successfully generates a structured and readable user manual.</a:t>
+            </a:r>
+            <a:endParaRPr lang="en-US" sz="2800" b="1" dirty="0"/>
+          </a:p>
+          <a:p>
+            <a:r>
+              <a:rPr lang="en-US" sz="2800" b="1" dirty="0"/>
+              <a:t>NFR2: Maintainability</a:t>
+            </a:r>
+          </a:p>
+          <a:p>
+            <a:r>
+              <a:rPr lang="en-US" sz="2800" dirty="0"/>
+              <a:t>Ensure that all modules are covered by tests.</a:t>
+            </a:r>
+            <a:endParaRPr lang="en-US" sz="2800" b="1" dirty="0"/>
+          </a:p>
+          <a:p>
+            <a:r>
+              <a:rPr lang="en-US" sz="2800" b="1" dirty="0"/>
+              <a:t>NFR3: Portability</a:t>
+            </a:r>
+          </a:p>
+          <a:p>
+            <a:r>
+              <a:rPr lang="en-US" sz="2800" dirty="0"/>
+              <a:t>Confirm that the software builds and runs correctly on both Linux and Windows without modifications.</a:t>
+            </a:r>
+          </a:p>
+          <a:p>
+            <a:r>
+              <a:rPr lang="en-US" sz="2800" b="1" dirty="0"/>
+              <a:t>NFR4: Reusability</a:t>
+            </a:r>
+          </a:p>
+          <a:p>
+            <a:r>
+              <a:rPr lang="en-US" sz="2800" dirty="0"/>
+              <a:t>Check that the code is modular, and check if modules are used in different contexts.</a:t>
+            </a:r>
+            <a:endParaRPr lang="en-US" sz="2800" b="1" dirty="0"/>
+          </a:p>
+        </p:txBody>
+      </p:sp>
     </p:spTree>
     <p:extLst>
       <p:ext uri="{BB962C8B-B14F-4D97-AF65-F5344CB8AC3E}">
@@ -3616,7 +4412,7 @@
 </p:sld>
 </file>
 
-<file path=ppt/slides/slide11.xml><?xml version="1.0" encoding="utf-8"?>
+<file path=ppt/slides/slide13.xml><?xml version="1.0" encoding="utf-8"?>
 <p:sld xmlns:a="http://schemas.openxmlformats.org/drawingml/2006/main" xmlns:r="http://schemas.openxmlformats.org/officeDocument/2006/relationships" xmlns:p="http://schemas.openxmlformats.org/presentationml/2006/main">
   <p:cSld>
     <p:spTree>
@@ -3758,7 +4554,7 @@
 </p:sld>
 </file>
 
-<file path=ppt/slides/slide12.xml><?xml version="1.0" encoding="utf-8"?>
+<file path=ppt/slides/slide14.xml><?xml version="1.0" encoding="utf-8"?>
 <p:sld xmlns:a="http://schemas.openxmlformats.org/drawingml/2006/main" xmlns:r="http://schemas.openxmlformats.org/officeDocument/2006/relationships" xmlns:p="http://schemas.openxmlformats.org/presentationml/2006/main">
   <p:cSld>
     <p:spTree>
@@ -4274,6 +5070,132 @@
           </a:p>
         </p:txBody>
       </p:sp>
+      <p:sp>
+        <p:nvSpPr>
+          <p:cNvPr id="2" name="TextBox 1">
+            <a:extLst>
+              <a:ext uri="{FF2B5EF4-FFF2-40B4-BE49-F238E27FC236}">
+                <a16:creationId xmlns:a16="http://schemas.microsoft.com/office/drawing/2014/main" id="{B14AAEC5-B6A7-22DF-8C1B-79E1EBB8449D}"/>
+              </a:ext>
+            </a:extLst>
+          </p:cNvPr>
+          <p:cNvSpPr txBox="1"/>
+          <p:nvPr/>
+        </p:nvSpPr>
+        <p:spPr>
+          <a:xfrm>
+            <a:off x="444498" y="1361108"/>
+            <a:ext cx="10837583" cy="1384995"/>
+          </a:xfrm>
+          <a:prstGeom prst="rect">
+            <a:avLst/>
+          </a:prstGeom>
+          <a:noFill/>
+        </p:spPr>
+        <p:txBody>
+          <a:bodyPr wrap="square">
+            <a:spAutoFit/>
+          </a:bodyPr>
+          <a:lstStyle/>
+          <a:p>
+            <a:r>
+              <a:rPr lang="en-US" sz="2800" dirty="0"/>
+              <a:t>In scope:</a:t>
+            </a:r>
+          </a:p>
+          <a:p>
+            <a:pPr marL="457200" indent="-457200">
+              <a:buFontTx/>
+              <a:buChar char="-"/>
+            </a:pPr>
+            <a:r>
+              <a:rPr lang="en-US" sz="2800" b="1" dirty="0"/>
+              <a:t>Correctness</a:t>
+            </a:r>
+            <a:r>
+              <a:rPr lang="en-US" sz="2800" dirty="0"/>
+              <a:t>: build confidence in the software correctness</a:t>
+            </a:r>
+          </a:p>
+          <a:p>
+            <a:pPr marL="457200" indent="-457200">
+              <a:buFontTx/>
+              <a:buChar char="-"/>
+            </a:pPr>
+            <a:r>
+              <a:rPr lang="en-US" sz="2800" b="1" dirty="0"/>
+              <a:t>Robustness</a:t>
+            </a:r>
+            <a:r>
+              <a:rPr lang="en-US" sz="2800" dirty="0"/>
+              <a:t>: test robustness against noisy ECG signals</a:t>
+            </a:r>
+          </a:p>
+        </p:txBody>
+      </p:sp>
+      <p:sp>
+        <p:nvSpPr>
+          <p:cNvPr id="3" name="TextBox 2">
+            <a:extLst>
+              <a:ext uri="{FF2B5EF4-FFF2-40B4-BE49-F238E27FC236}">
+                <a16:creationId xmlns:a16="http://schemas.microsoft.com/office/drawing/2014/main" id="{83D83951-E2E5-D082-87EA-37A338E0490A}"/>
+              </a:ext>
+            </a:extLst>
+          </p:cNvPr>
+          <p:cNvSpPr txBox="1"/>
+          <p:nvPr/>
+        </p:nvSpPr>
+        <p:spPr>
+          <a:xfrm>
+            <a:off x="444498" y="2933191"/>
+            <a:ext cx="10837583" cy="2246769"/>
+          </a:xfrm>
+          <a:prstGeom prst="rect">
+            <a:avLst/>
+          </a:prstGeom>
+          <a:noFill/>
+        </p:spPr>
+        <p:txBody>
+          <a:bodyPr wrap="square">
+            <a:spAutoFit/>
+          </a:bodyPr>
+          <a:lstStyle/>
+          <a:p>
+            <a:r>
+              <a:rPr lang="en-US" sz="2800" dirty="0"/>
+              <a:t>Out of scope:</a:t>
+            </a:r>
+          </a:p>
+          <a:p>
+            <a:pPr marL="457200" indent="-457200">
+              <a:buFontTx/>
+              <a:buChar char="-"/>
+            </a:pPr>
+            <a:r>
+              <a:rPr lang="en-US" sz="2800" b="1" dirty="0"/>
+              <a:t>Usability</a:t>
+            </a:r>
+            <a:r>
+              <a:rPr lang="en-US" sz="2800" dirty="0"/>
+              <a:t>: The project does not include user experience testing for a graphical interface or integration into medical workflow systems.</a:t>
+            </a:r>
+          </a:p>
+          <a:p>
+            <a:pPr marL="457200" indent="-457200">
+              <a:buFontTx/>
+              <a:buChar char="-"/>
+            </a:pPr>
+            <a:r>
+              <a:rPr lang="en-US" sz="2800" b="1" dirty="0"/>
+              <a:t>Clinical Validation</a:t>
+            </a:r>
+            <a:r>
+              <a:rPr lang="en-US" sz="2800" dirty="0"/>
+              <a:t>: The algorithm will be evaluated using publicly available datasets but will not undergo clinical trials.</a:t>
+            </a:r>
+          </a:p>
+        </p:txBody>
+      </p:sp>
     </p:spTree>
     <p:extLst>
       <p:ext uri="{BB962C8B-B14F-4D97-AF65-F5344CB8AC3E}">
@@ -4416,6 +5338,118 @@
           </a:p>
         </p:txBody>
       </p:sp>
+      <p:sp>
+        <p:nvSpPr>
+          <p:cNvPr id="2" name="TextBox 1">
+            <a:extLst>
+              <a:ext uri="{FF2B5EF4-FFF2-40B4-BE49-F238E27FC236}">
+                <a16:creationId xmlns:a16="http://schemas.microsoft.com/office/drawing/2014/main" id="{78B94731-8E85-6F29-B13D-563BE9A1532F}"/>
+              </a:ext>
+            </a:extLst>
+          </p:cNvPr>
+          <p:cNvSpPr txBox="1"/>
+          <p:nvPr/>
+        </p:nvSpPr>
+        <p:spPr>
+          <a:xfrm>
+            <a:off x="444498" y="1361108"/>
+            <a:ext cx="10837583" cy="4401205"/>
+          </a:xfrm>
+          <a:prstGeom prst="rect">
+            <a:avLst/>
+          </a:prstGeom>
+          <a:noFill/>
+        </p:spPr>
+        <p:txBody>
+          <a:bodyPr wrap="square">
+            <a:spAutoFit/>
+          </a:bodyPr>
+          <a:lstStyle/>
+          <a:p>
+            <a:r>
+              <a:rPr lang="en-US" sz="2800" dirty="0"/>
+              <a:t>Checklist:</a:t>
+            </a:r>
+          </a:p>
+          <a:p>
+            <a:pPr marL="457200" indent="-457200">
+              <a:buFontTx/>
+              <a:buChar char="-"/>
+            </a:pPr>
+            <a:r>
+              <a:rPr lang="en-US" sz="2800" b="1" dirty="0"/>
+              <a:t>Completeness</a:t>
+            </a:r>
+            <a:r>
+              <a:rPr lang="en-US" sz="2800" dirty="0"/>
+              <a:t>: Included GS, A, GD, DD, TM, IM, etc.</a:t>
+            </a:r>
+          </a:p>
+          <a:p>
+            <a:pPr marL="457200" indent="-457200">
+              <a:buFontTx/>
+              <a:buChar char="-"/>
+            </a:pPr>
+            <a:endParaRPr lang="en-US" sz="2800" dirty="0"/>
+          </a:p>
+          <a:p>
+            <a:pPr marL="457200" indent="-457200">
+              <a:buFontTx/>
+              <a:buChar char="-"/>
+            </a:pPr>
+            <a:r>
+              <a:rPr lang="en-US" sz="2800" b="1" dirty="0"/>
+              <a:t>Formatting</a:t>
+            </a:r>
+            <a:r>
+              <a:rPr lang="en-US" sz="2800" dirty="0"/>
+              <a:t>: The document has a clear, logical structure, and properly organized.</a:t>
+            </a:r>
+          </a:p>
+          <a:p>
+            <a:pPr marL="457200" indent="-457200">
+              <a:buFontTx/>
+              <a:buChar char="-"/>
+            </a:pPr>
+            <a:endParaRPr lang="en-US" sz="2800" dirty="0"/>
+          </a:p>
+          <a:p>
+            <a:pPr marL="457200" indent="-457200">
+              <a:buFontTx/>
+              <a:buChar char="-"/>
+            </a:pPr>
+            <a:r>
+              <a:rPr lang="en-US" sz="2800" b="1" dirty="0"/>
+              <a:t>Verifiability</a:t>
+            </a:r>
+            <a:r>
+              <a:rPr lang="en-US" sz="2800" dirty="0"/>
+              <a:t>: Each requirement is testable with a clear pass/fail standard.</a:t>
+            </a:r>
+          </a:p>
+          <a:p>
+            <a:pPr marL="457200" indent="-457200">
+              <a:buFontTx/>
+              <a:buChar char="-"/>
+            </a:pPr>
+            <a:endParaRPr lang="en-US" sz="2800" dirty="0"/>
+          </a:p>
+          <a:p>
+            <a:pPr marL="457200" indent="-457200">
+              <a:buFontTx/>
+              <a:buChar char="-"/>
+            </a:pPr>
+            <a:r>
+              <a:rPr lang="en-US" sz="2800" b="1" dirty="0"/>
+              <a:t>Traceability: </a:t>
+            </a:r>
+            <a:r>
+              <a:rPr lang="en-US" sz="2800" dirty="0"/>
+              <a:t>Each requirement is linked to an IM</a:t>
+            </a:r>
+          </a:p>
+        </p:txBody>
+      </p:sp>
     </p:spTree>
     <p:extLst>
       <p:ext uri="{BB962C8B-B14F-4D97-AF65-F5344CB8AC3E}">
@@ -5312,6 +6346,258 @@
           </a:p>
         </p:txBody>
       </p:sp>
+      <p:sp>
+        <p:nvSpPr>
+          <p:cNvPr id="2" name="TextBox 1">
+            <a:extLst>
+              <a:ext uri="{FF2B5EF4-FFF2-40B4-BE49-F238E27FC236}">
+                <a16:creationId xmlns:a16="http://schemas.microsoft.com/office/drawing/2014/main" id="{29A0733D-E2DB-76C8-FB6B-D54D315B3C4A}"/>
+              </a:ext>
+            </a:extLst>
+          </p:cNvPr>
+          <p:cNvSpPr txBox="1"/>
+          <p:nvPr/>
+        </p:nvSpPr>
+        <p:spPr>
+          <a:xfrm>
+            <a:off x="349249" y="2405727"/>
+            <a:ext cx="11036300" cy="1384995"/>
+          </a:xfrm>
+          <a:prstGeom prst="rect">
+            <a:avLst/>
+          </a:prstGeom>
+          <a:noFill/>
+        </p:spPr>
+        <p:txBody>
+          <a:bodyPr wrap="square">
+            <a:spAutoFit/>
+          </a:bodyPr>
+          <a:lstStyle/>
+          <a:p>
+            <a:r>
+              <a:rPr lang="en-US" sz="2800" b="1" dirty="0"/>
+              <a:t>FR1: Basic IIR and FIR Filters</a:t>
+            </a:r>
+          </a:p>
+          <a:p>
+            <a:r>
+              <a:rPr lang="en-US" sz="2800" dirty="0"/>
+              <a:t>Test with some randomly generated filter parameters and input data with gaussian noise, compare result with pseudo-oracle</a:t>
+            </a:r>
+          </a:p>
+        </p:txBody>
+      </p:sp>
+      <p:sp>
+        <p:nvSpPr>
+          <p:cNvPr id="3" name="TextBox 2">
+            <a:extLst>
+              <a:ext uri="{FF2B5EF4-FFF2-40B4-BE49-F238E27FC236}">
+                <a16:creationId xmlns:a16="http://schemas.microsoft.com/office/drawing/2014/main" id="{719E5373-FF1B-ACAF-94D5-AABB3F8E676B}"/>
+              </a:ext>
+            </a:extLst>
+          </p:cNvPr>
+          <p:cNvSpPr txBox="1"/>
+          <p:nvPr/>
+        </p:nvSpPr>
+        <p:spPr>
+          <a:xfrm>
+            <a:off x="349249" y="1431539"/>
+            <a:ext cx="11036300" cy="954107"/>
+          </a:xfrm>
+          <a:prstGeom prst="rect">
+            <a:avLst/>
+          </a:prstGeom>
+          <a:noFill/>
+        </p:spPr>
+        <p:txBody>
+          <a:bodyPr wrap="square">
+            <a:spAutoFit/>
+          </a:bodyPr>
+          <a:lstStyle/>
+          <a:p>
+            <a:r>
+              <a:rPr lang="en-US" sz="2800" dirty="0"/>
+              <a:t>Use </a:t>
+            </a:r>
+            <a:r>
+              <a:rPr lang="en-US" sz="2800" b="1" dirty="0" err="1">
+                <a:solidFill>
+                  <a:schemeClr val="accent2">
+                    <a:lumMod val="75000"/>
+                  </a:schemeClr>
+                </a:solidFill>
+              </a:rPr>
+              <a:t>scipy.signal</a:t>
+            </a:r>
+            <a:r>
+              <a:rPr lang="en-US" sz="2800" b="1" dirty="0">
+                <a:solidFill>
+                  <a:schemeClr val="tx2">
+                    <a:lumMod val="90000"/>
+                    <a:lumOff val="10000"/>
+                  </a:schemeClr>
+                </a:solidFill>
+              </a:rPr>
+              <a:t> </a:t>
+            </a:r>
+            <a:r>
+              <a:rPr lang="en-US" sz="2800" dirty="0"/>
+              <a:t>as pseudo-oracle</a:t>
+            </a:r>
+          </a:p>
+          <a:p>
+            <a:endParaRPr lang="en-US" sz="2800" b="1" dirty="0"/>
+          </a:p>
+        </p:txBody>
+      </p:sp>
+      <mc:AlternateContent xmlns:mc="http://schemas.openxmlformats.org/markup-compatibility/2006">
+        <mc:Choice xmlns:a14="http://schemas.microsoft.com/office/drawing/2010/main" Requires="a14">
+          <p:sp>
+            <p:nvSpPr>
+              <p:cNvPr id="7" name="TextBox 6">
+                <a:extLst>
+                  <a:ext uri="{FF2B5EF4-FFF2-40B4-BE49-F238E27FC236}">
+                    <a16:creationId xmlns:a16="http://schemas.microsoft.com/office/drawing/2014/main" id="{92B1A74B-27FC-0E80-051B-914A6E93DBC3}"/>
+                  </a:ext>
+                </a:extLst>
+              </p:cNvPr>
+              <p:cNvSpPr txBox="1"/>
+              <p:nvPr/>
+            </p:nvSpPr>
+            <p:spPr>
+              <a:xfrm>
+                <a:off x="349249" y="4077005"/>
+                <a:ext cx="11036300" cy="1384995"/>
+              </a:xfrm>
+              <a:prstGeom prst="rect">
+                <a:avLst/>
+              </a:prstGeom>
+              <a:noFill/>
+            </p:spPr>
+            <p:txBody>
+              <a:bodyPr wrap="square">
+                <a:spAutoFit/>
+              </a:bodyPr>
+              <a:lstStyle/>
+              <a:p>
+                <a:r>
+                  <a:rPr lang="en-US" sz="2800" b="1" dirty="0"/>
+                  <a:t>FR2, FR3: Butterworth filter, Chebyshev filter</a:t>
+                </a:r>
+              </a:p>
+              <a:p>
+                <a:r>
+                  <a:rPr lang="en-US" sz="2800" dirty="0"/>
+                  <a:t>Choose some typical value of inputs </a:t>
+                </a:r>
+                <a14:m>
+                  <m:oMath xmlns:m="http://schemas.openxmlformats.org/officeDocument/2006/math">
+                    <m:sSub>
+                      <m:sSubPr>
+                        <m:ctrlPr>
+                          <a:rPr lang="en-US" sz="2800" i="1" smtClean="0">
+                            <a:solidFill>
+                              <a:srgbClr val="836967"/>
+                            </a:solidFill>
+                            <a:latin typeface="Cambria Math" panose="02040503050406030204" pitchFamily="18" charset="0"/>
+                          </a:rPr>
+                        </m:ctrlPr>
+                      </m:sSubPr>
+                      <m:e>
+                        <m:r>
+                          <a:rPr lang="en-US" sz="2800" i="1" smtClean="0">
+                            <a:latin typeface="Cambria Math" panose="02040503050406030204" pitchFamily="18" charset="0"/>
+                          </a:rPr>
+                          <m:t>𝑓</m:t>
+                        </m:r>
+                      </m:e>
+                      <m:sub>
+                        <m:r>
+                          <a:rPr lang="en-US" sz="2800" i="1" smtClean="0">
+                            <a:latin typeface="Cambria Math" panose="02040503050406030204" pitchFamily="18" charset="0"/>
+                          </a:rPr>
+                          <m:t>𝑐</m:t>
+                        </m:r>
+                      </m:sub>
+                    </m:sSub>
+                  </m:oMath>
+                </a14:m>
+                <a:r>
+                  <a:rPr lang="en-US" sz="2800" dirty="0"/>
+                  <a:t> , </a:t>
+                </a:r>
+                <a14:m>
+                  <m:oMath xmlns:m="http://schemas.openxmlformats.org/officeDocument/2006/math">
+                    <m:r>
+                      <a:rPr lang="en-US" sz="2800" i="1">
+                        <a:latin typeface="Cambria Math" panose="02040503050406030204" pitchFamily="18" charset="0"/>
+                      </a:rPr>
+                      <m:t>𝑁</m:t>
+                    </m:r>
+                  </m:oMath>
+                </a14:m>
+                <a:r>
+                  <a:rPr lang="en-US" sz="2800" i="1" dirty="0">
+                    <a:latin typeface="Cambria Math" panose="02040503050406030204" pitchFamily="18" charset="0"/>
+                  </a:rPr>
+                  <a:t>, </a:t>
+                </a:r>
+                <a:r>
+                  <a:rPr lang="en-US" sz="2800" dirty="0"/>
+                  <a:t>compare result with pseudo-oracle</a:t>
+                </a:r>
+                <a:endParaRPr lang="en-US" sz="2800" i="1" dirty="0">
+                  <a:latin typeface="Cambria Math" panose="02040503050406030204" pitchFamily="18" charset="0"/>
+                </a:endParaRPr>
+              </a:p>
+            </p:txBody>
+          </p:sp>
+        </mc:Choice>
+        <mc:Fallback>
+          <p:sp>
+            <p:nvSpPr>
+              <p:cNvPr id="7" name="TextBox 6">
+                <a:extLst>
+                  <a:ext uri="{FF2B5EF4-FFF2-40B4-BE49-F238E27FC236}">
+                    <a16:creationId xmlns:a16="http://schemas.microsoft.com/office/drawing/2014/main" id="{92B1A74B-27FC-0E80-051B-914A6E93DBC3}"/>
+                  </a:ext>
+                </a:extLst>
+              </p:cNvPr>
+              <p:cNvSpPr txBox="1">
+                <a:spLocks noRot="1" noChangeAspect="1" noMove="1" noResize="1" noEditPoints="1" noAdjustHandles="1" noChangeArrowheads="1" noChangeShapeType="1" noTextEdit="1"/>
+              </p:cNvSpPr>
+              <p:nvPr/>
+            </p:nvSpPr>
+            <p:spPr>
+              <a:xfrm>
+                <a:off x="349249" y="4077005"/>
+                <a:ext cx="11036300" cy="1384995"/>
+              </a:xfrm>
+              <a:prstGeom prst="rect">
+                <a:avLst/>
+              </a:prstGeom>
+              <a:blipFill>
+                <a:blip r:embed="rId2"/>
+                <a:stretch>
+                  <a:fillRect l="-1104" t="-4846" b="-11454"/>
+                </a:stretch>
+              </a:blipFill>
+            </p:spPr>
+            <p:txBody>
+              <a:bodyPr/>
+              <a:lstStyle/>
+              <a:p>
+                <a:r>
+                  <a:rPr lang="en-US">
+                    <a:noFill/>
+                  </a:rPr>
+                  <a:t> </a:t>
+                </a:r>
+              </a:p>
+            </p:txBody>
+          </p:sp>
+        </mc:Fallback>
+      </mc:AlternateContent>
     </p:spTree>
     <p:extLst>
       <p:ext uri="{BB962C8B-B14F-4D97-AF65-F5344CB8AC3E}">

--- a/docs/Presentation/VnV.pptx
+++ b/docs/Presentation/VnV.pptx
@@ -272,7 +272,7 @@
           <a:p>
             <a:fld id="{E996DF86-C467-4A92-964E-0EB737BA98EF}" type="datetimeFigureOut">
               <a:rPr lang="en-US" smtClean="0"/>
-              <a:t>2/12/2025</a:t>
+              <a:t>2/13/2025</a:t>
             </a:fld>
             <a:endParaRPr lang="en-US"/>
           </a:p>
@@ -470,7 +470,7 @@
           <a:p>
             <a:fld id="{E996DF86-C467-4A92-964E-0EB737BA98EF}" type="datetimeFigureOut">
               <a:rPr lang="en-US" smtClean="0"/>
-              <a:t>2/12/2025</a:t>
+              <a:t>2/13/2025</a:t>
             </a:fld>
             <a:endParaRPr lang="en-US"/>
           </a:p>
@@ -678,7 +678,7 @@
           <a:p>
             <a:fld id="{E996DF86-C467-4A92-964E-0EB737BA98EF}" type="datetimeFigureOut">
               <a:rPr lang="en-US" smtClean="0"/>
-              <a:t>2/12/2025</a:t>
+              <a:t>2/13/2025</a:t>
             </a:fld>
             <a:endParaRPr lang="en-US"/>
           </a:p>
@@ -876,7 +876,7 @@
           <a:p>
             <a:fld id="{E996DF86-C467-4A92-964E-0EB737BA98EF}" type="datetimeFigureOut">
               <a:rPr lang="en-US" smtClean="0"/>
-              <a:t>2/12/2025</a:t>
+              <a:t>2/13/2025</a:t>
             </a:fld>
             <a:endParaRPr lang="en-US"/>
           </a:p>
@@ -1151,7 +1151,7 @@
           <a:p>
             <a:fld id="{E996DF86-C467-4A92-964E-0EB737BA98EF}" type="datetimeFigureOut">
               <a:rPr lang="en-US" smtClean="0"/>
-              <a:t>2/12/2025</a:t>
+              <a:t>2/13/2025</a:t>
             </a:fld>
             <a:endParaRPr lang="en-US"/>
           </a:p>
@@ -1416,7 +1416,7 @@
           <a:p>
             <a:fld id="{E996DF86-C467-4A92-964E-0EB737BA98EF}" type="datetimeFigureOut">
               <a:rPr lang="en-US" smtClean="0"/>
-              <a:t>2/12/2025</a:t>
+              <a:t>2/13/2025</a:t>
             </a:fld>
             <a:endParaRPr lang="en-US"/>
           </a:p>
@@ -1828,7 +1828,7 @@
           <a:p>
             <a:fld id="{E996DF86-C467-4A92-964E-0EB737BA98EF}" type="datetimeFigureOut">
               <a:rPr lang="en-US" smtClean="0"/>
-              <a:t>2/12/2025</a:t>
+              <a:t>2/13/2025</a:t>
             </a:fld>
             <a:endParaRPr lang="en-US"/>
           </a:p>
@@ -1969,7 +1969,7 @@
           <a:p>
             <a:fld id="{E996DF86-C467-4A92-964E-0EB737BA98EF}" type="datetimeFigureOut">
               <a:rPr lang="en-US" smtClean="0"/>
-              <a:t>2/12/2025</a:t>
+              <a:t>2/13/2025</a:t>
             </a:fld>
             <a:endParaRPr lang="en-US"/>
           </a:p>
@@ -2082,7 +2082,7 @@
           <a:p>
             <a:fld id="{E996DF86-C467-4A92-964E-0EB737BA98EF}" type="datetimeFigureOut">
               <a:rPr lang="en-US" smtClean="0"/>
-              <a:t>2/12/2025</a:t>
+              <a:t>2/13/2025</a:t>
             </a:fld>
             <a:endParaRPr lang="en-US"/>
           </a:p>
@@ -2393,7 +2393,7 @@
           <a:p>
             <a:fld id="{E996DF86-C467-4A92-964E-0EB737BA98EF}" type="datetimeFigureOut">
               <a:rPr lang="en-US" smtClean="0"/>
-              <a:t>2/12/2025</a:t>
+              <a:t>2/13/2025</a:t>
             </a:fld>
             <a:endParaRPr lang="en-US"/>
           </a:p>
@@ -2681,7 +2681,7 @@
           <a:p>
             <a:fld id="{E996DF86-C467-4A92-964E-0EB737BA98EF}" type="datetimeFigureOut">
               <a:rPr lang="en-US" smtClean="0"/>
-              <a:t>2/12/2025</a:t>
+              <a:t>2/13/2025</a:t>
             </a:fld>
             <a:endParaRPr lang="en-US"/>
           </a:p>
@@ -2922,7 +2922,7 @@
           <a:p>
             <a:fld id="{E996DF86-C467-4A92-964E-0EB737BA98EF}" type="datetimeFigureOut">
               <a:rPr lang="en-US" smtClean="0"/>
-              <a:t>2/12/2025</a:t>
+              <a:t>2/13/2025</a:t>
             </a:fld>
             <a:endParaRPr lang="en-US"/>
           </a:p>
@@ -3600,7 +3600,7 @@
           <a:p>
             <a:r>
               <a:rPr lang="en-US" dirty="0"/>
-              <a:t>1/10</a:t>
+              <a:t>9/12</a:t>
             </a:r>
           </a:p>
         </p:txBody>
@@ -4032,7 +4032,7 @@
         <p:spPr>
           <a:xfrm>
             <a:off x="10888869" y="6396382"/>
-            <a:ext cx="633507" cy="369332"/>
+            <a:ext cx="756938" cy="369332"/>
           </a:xfrm>
           <a:prstGeom prst="rect">
             <a:avLst/>
@@ -4047,17 +4047,199 @@
           <a:p>
             <a:r>
               <a:rPr lang="en-US" dirty="0"/>
-              <a:t>1/10</a:t>
-            </a:r>
-          </a:p>
-        </p:txBody>
-      </p:sp>
-      <p:sp>
-        <p:nvSpPr>
-          <p:cNvPr id="3" name="TextBox 2">
-            <a:extLst>
-              <a:ext uri="{FF2B5EF4-FFF2-40B4-BE49-F238E27FC236}">
-                <a16:creationId xmlns:a16="http://schemas.microsoft.com/office/drawing/2014/main" id="{409C2FC9-81F3-8054-B4E4-1F0262CDED32}"/>
+              <a:t>10/12</a:t>
+            </a:r>
+          </a:p>
+        </p:txBody>
+      </p:sp>
+      <mc:AlternateContent xmlns:mc="http://schemas.openxmlformats.org/markup-compatibility/2006" xmlns:a14="http://schemas.microsoft.com/office/drawing/2010/main">
+        <mc:Choice Requires="a14">
+          <p:sp>
+            <p:nvSpPr>
+              <p:cNvPr id="5" name="TextBox 4">
+                <a:extLst>
+                  <a:ext uri="{FF2B5EF4-FFF2-40B4-BE49-F238E27FC236}">
+                    <a16:creationId xmlns:a16="http://schemas.microsoft.com/office/drawing/2014/main" id="{4611967D-3644-CC24-8FE3-15A551B0EC05}"/>
+                  </a:ext>
+                </a:extLst>
+              </p:cNvPr>
+              <p:cNvSpPr txBox="1"/>
+              <p:nvPr/>
+            </p:nvSpPr>
+            <p:spPr>
+              <a:xfrm>
+                <a:off x="349249" y="2211547"/>
+                <a:ext cx="11036300" cy="2246769"/>
+              </a:xfrm>
+              <a:prstGeom prst="rect">
+                <a:avLst/>
+              </a:prstGeom>
+              <a:noFill/>
+            </p:spPr>
+            <p:txBody>
+              <a:bodyPr wrap="square">
+                <a:spAutoFit/>
+              </a:bodyPr>
+              <a:lstStyle/>
+              <a:p>
+                <a:r>
+                  <a:rPr lang="en-US" sz="2800" b="1" dirty="0"/>
+                  <a:t>FR7: use raw data to calculate R-wave position</a:t>
+                </a:r>
+              </a:p>
+              <a:p>
+                <a:r>
+                  <a:rPr lang="en-US" sz="2800" b="1" dirty="0"/>
+                  <a:t>FR8: use annotated data to calculate RMSE</a:t>
+                </a:r>
+              </a:p>
+              <a:p>
+                <a:endParaRPr lang="en-US" sz="2800" b="1" dirty="0"/>
+              </a:p>
+              <a:p>
+                <a:r>
+                  <a:rPr lang="en-US" sz="2800" dirty="0"/>
+                  <a:t>Select testing data from the MIT-BIH database with annotated data.</a:t>
+                </a:r>
+              </a:p>
+              <a:p>
+                <a:r>
+                  <a:rPr lang="en-US" sz="2800" dirty="0"/>
+                  <a:t>A</a:t>
+                </a:r>
+                <a:r>
+                  <a:rPr lang="en-US" altLang="zh-CN" sz="2800" dirty="0"/>
+                  <a:t>ssert </a:t>
+                </a:r>
+                <a:r>
+                  <a:rPr lang="en-US" altLang="zh-CN" sz="2800" dirty="0">
+                    <a:solidFill>
+                      <a:schemeClr val="accent2">
+                        <a:lumMod val="75000"/>
+                      </a:schemeClr>
+                    </a:solidFill>
+                  </a:rPr>
+                  <a:t>0 &lt;= RMSE &lt;= </a:t>
+                </a:r>
+                <a14:m>
+                  <m:oMath xmlns:m="http://schemas.openxmlformats.org/officeDocument/2006/math">
+                    <m:sSub>
+                      <m:sSubPr>
+                        <m:ctrlPr>
+                          <a:rPr lang="en-US" sz="2800" i="1">
+                            <a:solidFill>
+                              <a:schemeClr val="accent2">
+                                <a:lumMod val="75000"/>
+                              </a:schemeClr>
+                            </a:solidFill>
+                            <a:latin typeface="Cambria Math" panose="02040503050406030204" pitchFamily="18" charset="0"/>
+                          </a:rPr>
+                        </m:ctrlPr>
+                      </m:sSubPr>
+                      <m:e>
+                        <m:r>
+                          <a:rPr lang="en-US" sz="2800" i="1" smtClean="0">
+                            <a:solidFill>
+                              <a:schemeClr val="accent2">
+                                <a:lumMod val="75000"/>
+                              </a:schemeClr>
+                            </a:solidFill>
+                            <a:latin typeface="Cambria Math" panose="02040503050406030204" pitchFamily="18" charset="0"/>
+                          </a:rPr>
+                          <m:t>0.1</m:t>
+                        </m:r>
+                        <m:r>
+                          <a:rPr lang="en-US" sz="2800" i="1" smtClean="0">
+                            <a:solidFill>
+                              <a:schemeClr val="accent2">
+                                <a:lumMod val="75000"/>
+                              </a:schemeClr>
+                            </a:solidFill>
+                            <a:latin typeface="Cambria Math" panose="02040503050406030204" pitchFamily="18" charset="0"/>
+                          </a:rPr>
+                          <m:t>𝑓</m:t>
+                        </m:r>
+                      </m:e>
+                      <m:sub>
+                        <m:r>
+                          <a:rPr lang="en-US" sz="2800" i="1">
+                            <a:solidFill>
+                              <a:schemeClr val="accent2">
+                                <a:lumMod val="75000"/>
+                              </a:schemeClr>
+                            </a:solidFill>
+                            <a:latin typeface="Cambria Math" panose="02040503050406030204" pitchFamily="18" charset="0"/>
+                          </a:rPr>
+                          <m:t>𝑐</m:t>
+                        </m:r>
+                      </m:sub>
+                    </m:sSub>
+                    <m:r>
+                      <a:rPr lang="en-US" sz="2800" i="1">
+                        <a:latin typeface="Cambria Math" panose="02040503050406030204" pitchFamily="18" charset="0"/>
+                      </a:rPr>
+                      <m:t> </m:t>
+                    </m:r>
+                  </m:oMath>
+                </a14:m>
+                <a:endParaRPr lang="en-US" sz="2800" i="1" dirty="0">
+                  <a:latin typeface="Cambria Math" panose="02040503050406030204" pitchFamily="18" charset="0"/>
+                </a:endParaRPr>
+              </a:p>
+            </p:txBody>
+          </p:sp>
+        </mc:Choice>
+        <mc:Fallback xmlns="">
+          <p:sp>
+            <p:nvSpPr>
+              <p:cNvPr id="5" name="TextBox 4">
+                <a:extLst>
+                  <a:ext uri="{FF2B5EF4-FFF2-40B4-BE49-F238E27FC236}">
+                    <a16:creationId xmlns:a16="http://schemas.microsoft.com/office/drawing/2014/main" id="{4611967D-3644-CC24-8FE3-15A551B0EC05}"/>
+                  </a:ext>
+                </a:extLst>
+              </p:cNvPr>
+              <p:cNvSpPr txBox="1">
+                <a:spLocks noRot="1" noChangeAspect="1" noMove="1" noResize="1" noEditPoints="1" noAdjustHandles="1" noChangeArrowheads="1" noChangeShapeType="1" noTextEdit="1"/>
+              </p:cNvSpPr>
+              <p:nvPr/>
+            </p:nvSpPr>
+            <p:spPr>
+              <a:xfrm>
+                <a:off x="349249" y="2211547"/>
+                <a:ext cx="11036300" cy="2246769"/>
+              </a:xfrm>
+              <a:prstGeom prst="rect">
+                <a:avLst/>
+              </a:prstGeom>
+              <a:blipFill>
+                <a:blip r:embed="rId2"/>
+                <a:stretch>
+                  <a:fillRect l="-1104" t="-2989" b="-6793"/>
+                </a:stretch>
+              </a:blipFill>
+            </p:spPr>
+            <p:txBody>
+              <a:bodyPr/>
+              <a:lstStyle/>
+              <a:p>
+                <a:r>
+                  <a:rPr lang="en-US">
+                    <a:noFill/>
+                  </a:rPr>
+                  <a:t> </a:t>
+                </a:r>
+              </a:p>
+            </p:txBody>
+          </p:sp>
+        </mc:Fallback>
+      </mc:AlternateContent>
+      <p:sp>
+        <p:nvSpPr>
+          <p:cNvPr id="6" name="TextBox 5">
+            <a:extLst>
+              <a:ext uri="{FF2B5EF4-FFF2-40B4-BE49-F238E27FC236}">
+                <a16:creationId xmlns:a16="http://schemas.microsoft.com/office/drawing/2014/main" id="{B6569945-73ED-B424-DD59-852A93A036D8}"/>
               </a:ext>
             </a:extLst>
           </p:cNvPr>
@@ -4066,8 +4248,8 @@
         </p:nvSpPr>
         <p:spPr>
           <a:xfrm>
-            <a:off x="349249" y="2257267"/>
-            <a:ext cx="11036300" cy="954107"/>
+            <a:off x="349249" y="1431539"/>
+            <a:ext cx="11036300" cy="523220"/>
           </a:xfrm>
           <a:prstGeom prst="rect">
             <a:avLst/>
@@ -4081,90 +4263,8 @@
           <a:lstStyle/>
           <a:p>
             <a:r>
-              <a:rPr lang="en-US" sz="2800" b="1" dirty="0"/>
-              <a:t>FR7: use raw data to calculate R-wave position</a:t>
-            </a:r>
-          </a:p>
-          <a:p>
-            <a:r>
               <a:rPr lang="en-US" sz="2800" dirty="0"/>
-              <a:t>Test</a:t>
-            </a:r>
-          </a:p>
-        </p:txBody>
-      </p:sp>
-      <p:sp>
-        <p:nvSpPr>
-          <p:cNvPr id="5" name="TextBox 4">
-            <a:extLst>
-              <a:ext uri="{FF2B5EF4-FFF2-40B4-BE49-F238E27FC236}">
-                <a16:creationId xmlns:a16="http://schemas.microsoft.com/office/drawing/2014/main" id="{4611967D-3644-CC24-8FE3-15A551B0EC05}"/>
-              </a:ext>
-            </a:extLst>
-          </p:cNvPr>
-          <p:cNvSpPr txBox="1"/>
-          <p:nvPr/>
-        </p:nvSpPr>
-        <p:spPr>
-          <a:xfrm>
-            <a:off x="349249" y="4485355"/>
-            <a:ext cx="11036300" cy="954107"/>
-          </a:xfrm>
-          <a:prstGeom prst="rect">
-            <a:avLst/>
-          </a:prstGeom>
-          <a:noFill/>
-        </p:spPr>
-        <p:txBody>
-          <a:bodyPr wrap="square">
-            <a:spAutoFit/>
-          </a:bodyPr>
-          <a:lstStyle/>
-          <a:p>
-            <a:r>
-              <a:rPr lang="en-US" sz="2800" b="1" dirty="0"/>
-              <a:t>FR8: use annotated data to calculate RMSE</a:t>
-            </a:r>
-          </a:p>
-          <a:p>
-            <a:r>
-              <a:rPr lang="en-US" sz="2800" dirty="0"/>
-              <a:t>Test</a:t>
-            </a:r>
-          </a:p>
-        </p:txBody>
-      </p:sp>
-      <p:sp>
-        <p:nvSpPr>
-          <p:cNvPr id="6" name="TextBox 5">
-            <a:extLst>
-              <a:ext uri="{FF2B5EF4-FFF2-40B4-BE49-F238E27FC236}">
-                <a16:creationId xmlns:a16="http://schemas.microsoft.com/office/drawing/2014/main" id="{B6569945-73ED-B424-DD59-852A93A036D8}"/>
-              </a:ext>
-            </a:extLst>
-          </p:cNvPr>
-          <p:cNvSpPr txBox="1"/>
-          <p:nvPr/>
-        </p:nvSpPr>
-        <p:spPr>
-          <a:xfrm>
-            <a:off x="349249" y="1431539"/>
-            <a:ext cx="11036300" cy="523220"/>
-          </a:xfrm>
-          <a:prstGeom prst="rect">
-            <a:avLst/>
-          </a:prstGeom>
-          <a:noFill/>
-        </p:spPr>
-        <p:txBody>
-          <a:bodyPr wrap="square">
-            <a:spAutoFit/>
-          </a:bodyPr>
-          <a:lstStyle/>
-          <a:p>
-            <a:r>
-              <a:rPr lang="en-US" sz="2800" dirty="0"/>
-              <a:t>FRs combine FR1 to FR6</a:t>
+              <a:t>FRs combine FR1 to FR6, use the same test case</a:t>
             </a:r>
           </a:p>
         </p:txBody>
@@ -4291,7 +4391,7 @@
         <p:spPr>
           <a:xfrm>
             <a:off x="10888869" y="6396382"/>
-            <a:ext cx="633507" cy="369332"/>
+            <a:ext cx="756938" cy="369332"/>
           </a:xfrm>
           <a:prstGeom prst="rect">
             <a:avLst/>
@@ -4306,7 +4406,7 @@
           <a:p>
             <a:r>
               <a:rPr lang="en-US" dirty="0"/>
-              <a:t>1/10</a:t>
+              <a:t>11/12</a:t>
             </a:r>
           </a:p>
         </p:txBody>
@@ -4521,7 +4621,7 @@
         <p:spPr>
           <a:xfrm>
             <a:off x="10888869" y="6396382"/>
-            <a:ext cx="633507" cy="369332"/>
+            <a:ext cx="756938" cy="369332"/>
           </a:xfrm>
           <a:prstGeom prst="rect">
             <a:avLst/>
@@ -4536,7 +4636,7 @@
           <a:p>
             <a:r>
               <a:rPr lang="en-US" dirty="0"/>
-              <a:t>1/10</a:t>
+              <a:t>12/12</a:t>
             </a:r>
           </a:p>
         </p:txBody>
@@ -4745,7 +4845,7 @@
           <a:p>
             <a:r>
               <a:rPr lang="en-US" dirty="0"/>
-              <a:t>1/10</a:t>
+              <a:t>1/12</a:t>
             </a:r>
           </a:p>
         </p:txBody>
@@ -5065,7 +5165,7 @@
           <a:p>
             <a:r>
               <a:rPr lang="en-US" dirty="0"/>
-              <a:t>1/10</a:t>
+              <a:t>2/12</a:t>
             </a:r>
           </a:p>
         </p:txBody>
@@ -5333,7 +5433,7 @@
           <a:p>
             <a:r>
               <a:rPr lang="en-US" dirty="0"/>
-              <a:t>1/10</a:t>
+              <a:t>3/12</a:t>
             </a:r>
           </a:p>
         </p:txBody>
@@ -5587,7 +5687,77 @@
           <a:p>
             <a:r>
               <a:rPr lang="en-US" dirty="0"/>
-              <a:t>1/10</a:t>
+              <a:t>4/12</a:t>
+            </a:r>
+          </a:p>
+        </p:txBody>
+      </p:sp>
+      <p:sp>
+        <p:nvSpPr>
+          <p:cNvPr id="2" name="TextBox 1">
+            <a:extLst>
+              <a:ext uri="{FF2B5EF4-FFF2-40B4-BE49-F238E27FC236}">
+                <a16:creationId xmlns:a16="http://schemas.microsoft.com/office/drawing/2014/main" id="{7CB3516F-CFE0-4814-9953-B8D45A1B9034}"/>
+              </a:ext>
+            </a:extLst>
+          </p:cNvPr>
+          <p:cNvSpPr txBox="1"/>
+          <p:nvPr/>
+        </p:nvSpPr>
+        <p:spPr>
+          <a:xfrm>
+            <a:off x="444498" y="1361108"/>
+            <a:ext cx="10837583" cy="2677656"/>
+          </a:xfrm>
+          <a:prstGeom prst="rect">
+            <a:avLst/>
+          </a:prstGeom>
+          <a:noFill/>
+        </p:spPr>
+        <p:txBody>
+          <a:bodyPr wrap="square">
+            <a:spAutoFit/>
+          </a:bodyPr>
+          <a:lstStyle/>
+          <a:p>
+            <a:r>
+              <a:rPr lang="en-US" sz="2800" dirty="0"/>
+              <a:t>Checklist:</a:t>
+            </a:r>
+          </a:p>
+          <a:p>
+            <a:pPr marL="457200" indent="-457200">
+              <a:buFontTx/>
+              <a:buChar char="-"/>
+            </a:pPr>
+            <a:r>
+              <a:rPr lang="en-US" sz="2800" b="1" dirty="0"/>
+              <a:t>Low module coupling</a:t>
+            </a:r>
+            <a:r>
+              <a:rPr lang="en-US" sz="2800" dirty="0"/>
+              <a:t>: modules can be reused anywhere and do not affect others.</a:t>
+            </a:r>
+          </a:p>
+          <a:p>
+            <a:pPr marL="457200" indent="-457200">
+              <a:buFontTx/>
+              <a:buChar char="-"/>
+            </a:pPr>
+            <a:endParaRPr lang="en-US" sz="2800" dirty="0"/>
+          </a:p>
+          <a:p>
+            <a:pPr marL="457200" indent="-457200">
+              <a:buFontTx/>
+              <a:buChar char="-"/>
+            </a:pPr>
+            <a:r>
+              <a:rPr lang="en-US" sz="2800" b="1" dirty="0"/>
+              <a:t>Good Hierarchy</a:t>
+            </a:r>
+            <a:r>
+              <a:rPr lang="en-US" sz="2800" dirty="0"/>
+              <a:t>: make sure the hierarchy is clear and easy to maintain.</a:t>
             </a:r>
           </a:p>
         </p:txBody>
@@ -5729,7 +5899,143 @@
           <a:p>
             <a:r>
               <a:rPr lang="en-US" dirty="0"/>
-              <a:t>1/10</a:t>
+              <a:t>5/12</a:t>
+            </a:r>
+          </a:p>
+        </p:txBody>
+      </p:sp>
+      <p:sp>
+        <p:nvSpPr>
+          <p:cNvPr id="2" name="TextBox 1">
+            <a:extLst>
+              <a:ext uri="{FF2B5EF4-FFF2-40B4-BE49-F238E27FC236}">
+                <a16:creationId xmlns:a16="http://schemas.microsoft.com/office/drawing/2014/main" id="{2C69159C-8E8B-EE18-EDC8-13A07801250C}"/>
+              </a:ext>
+            </a:extLst>
+          </p:cNvPr>
+          <p:cNvSpPr txBox="1"/>
+          <p:nvPr/>
+        </p:nvSpPr>
+        <p:spPr>
+          <a:xfrm>
+            <a:off x="444498" y="1361108"/>
+            <a:ext cx="10837583" cy="4401205"/>
+          </a:xfrm>
+          <a:prstGeom prst="rect">
+            <a:avLst/>
+          </a:prstGeom>
+          <a:noFill/>
+        </p:spPr>
+        <p:txBody>
+          <a:bodyPr wrap="square">
+            <a:spAutoFit/>
+          </a:bodyPr>
+          <a:lstStyle/>
+          <a:p>
+            <a:r>
+              <a:rPr lang="en-US" sz="2800" dirty="0"/>
+              <a:t>Checklist:</a:t>
+            </a:r>
+          </a:p>
+          <a:p>
+            <a:pPr marL="457200" indent="-457200">
+              <a:buFontTx/>
+              <a:buChar char="-"/>
+            </a:pPr>
+            <a:r>
+              <a:rPr lang="en-US" sz="2800" b="1" dirty="0"/>
+              <a:t>Completeness </a:t>
+            </a:r>
+            <a:r>
+              <a:rPr lang="en-US" sz="2800" dirty="0"/>
+              <a:t>: </a:t>
+            </a:r>
+            <a:r>
+              <a:rPr lang="en-US" sz="2800" dirty="0" err="1"/>
+              <a:t>VnV</a:t>
+            </a:r>
+            <a:r>
+              <a:rPr lang="en-US" sz="2800" dirty="0"/>
+              <a:t> plan includes all necessary sections.</a:t>
+            </a:r>
+          </a:p>
+          <a:p>
+            <a:pPr marL="457200" indent="-457200">
+              <a:buFontTx/>
+              <a:buChar char="-"/>
+            </a:pPr>
+            <a:endParaRPr lang="en-US" sz="2800" dirty="0"/>
+          </a:p>
+          <a:p>
+            <a:pPr marL="457200" indent="-457200">
+              <a:buFontTx/>
+              <a:buChar char="-"/>
+            </a:pPr>
+            <a:r>
+              <a:rPr lang="en-US" sz="2800" b="1" dirty="0"/>
+              <a:t>Formatting</a:t>
+            </a:r>
+            <a:r>
+              <a:rPr lang="en-US" sz="2800" dirty="0"/>
+              <a:t>: The document has a clear, logical structure, and properly organized.</a:t>
+            </a:r>
+          </a:p>
+          <a:p>
+            <a:pPr marL="457200" indent="-457200">
+              <a:buFontTx/>
+              <a:buChar char="-"/>
+            </a:pPr>
+            <a:endParaRPr lang="en-US" sz="2800" dirty="0"/>
+          </a:p>
+          <a:p>
+            <a:pPr marL="457200" indent="-457200">
+              <a:buFontTx/>
+              <a:buChar char="-"/>
+            </a:pPr>
+            <a:r>
+              <a:rPr lang="en-US" sz="2800" b="1" dirty="0"/>
+              <a:t>Appropriateness: </a:t>
+            </a:r>
+            <a:r>
+              <a:rPr lang="en-US" sz="2800" dirty="0"/>
+              <a:t>Confirm that the methods and tools proposed in the </a:t>
+            </a:r>
+            <a:r>
+              <a:rPr lang="en-US" sz="2800" dirty="0" err="1"/>
+              <a:t>VnV</a:t>
+            </a:r>
+            <a:r>
+              <a:rPr lang="en-US" sz="2800" dirty="0"/>
+              <a:t> plan are appropriate for the project.</a:t>
+            </a:r>
+          </a:p>
+          <a:p>
+            <a:pPr marL="457200" indent="-457200">
+              <a:buFontTx/>
+              <a:buChar char="-"/>
+            </a:pPr>
+            <a:endParaRPr lang="en-US" sz="2800" dirty="0"/>
+          </a:p>
+          <a:p>
+            <a:pPr marL="457200" indent="-457200">
+              <a:buFontTx/>
+              <a:buChar char="-"/>
+            </a:pPr>
+            <a:r>
+              <a:rPr lang="en-US" sz="2800" b="1" dirty="0"/>
+              <a:t>Coverage: </a:t>
+            </a:r>
+            <a:r>
+              <a:rPr lang="en-US" sz="2800" dirty="0"/>
+              <a:t>Make sure the </a:t>
+            </a:r>
+            <a:r>
+              <a:rPr lang="en-US" sz="2800" dirty="0" err="1"/>
+              <a:t>VnV</a:t>
+            </a:r>
+            <a:r>
+              <a:rPr lang="en-US" sz="2800" dirty="0"/>
+              <a:t> plan covers all the requirements.</a:t>
             </a:r>
           </a:p>
         </p:txBody>
@@ -5871,8 +6177,105 @@
           <a:p>
             <a:r>
               <a:rPr lang="en-US" dirty="0"/>
-              <a:t>1/10</a:t>
-            </a:r>
+              <a:t>6/12</a:t>
+            </a:r>
+          </a:p>
+        </p:txBody>
+      </p:sp>
+      <p:sp>
+        <p:nvSpPr>
+          <p:cNvPr id="2" name="TextBox 1">
+            <a:extLst>
+              <a:ext uri="{FF2B5EF4-FFF2-40B4-BE49-F238E27FC236}">
+                <a16:creationId xmlns:a16="http://schemas.microsoft.com/office/drawing/2014/main" id="{42DBE6DC-1405-11AF-CECD-BA2057A1F848}"/>
+              </a:ext>
+            </a:extLst>
+          </p:cNvPr>
+          <p:cNvSpPr txBox="1"/>
+          <p:nvPr/>
+        </p:nvSpPr>
+        <p:spPr>
+          <a:xfrm>
+            <a:off x="444498" y="1361108"/>
+            <a:ext cx="10837583" cy="3539430"/>
+          </a:xfrm>
+          <a:prstGeom prst="rect">
+            <a:avLst/>
+          </a:prstGeom>
+          <a:noFill/>
+        </p:spPr>
+        <p:txBody>
+          <a:bodyPr wrap="square">
+            <a:spAutoFit/>
+          </a:bodyPr>
+          <a:lstStyle/>
+          <a:p>
+            <a:r>
+              <a:rPr lang="en-US" sz="2800" dirty="0"/>
+              <a:t>Checklist:</a:t>
+            </a:r>
+          </a:p>
+          <a:p>
+            <a:pPr marL="457200" indent="-457200">
+              <a:buFontTx/>
+              <a:buChar char="-"/>
+            </a:pPr>
+            <a:r>
+              <a:rPr lang="en-US" sz="2800" b="1" dirty="0"/>
+              <a:t>Static code check</a:t>
+            </a:r>
+          </a:p>
+          <a:p>
+            <a:pPr marL="457200" indent="-457200">
+              <a:buFontTx/>
+              <a:buChar char="-"/>
+            </a:pPr>
+            <a:endParaRPr lang="en-US" sz="2800" dirty="0"/>
+          </a:p>
+          <a:p>
+            <a:pPr marL="457200" indent="-457200">
+              <a:buFontTx/>
+              <a:buChar char="-"/>
+            </a:pPr>
+            <a:r>
+              <a:rPr lang="en-US" sz="2800" b="1" dirty="0"/>
+              <a:t>Code coverage test</a:t>
+            </a:r>
+          </a:p>
+          <a:p>
+            <a:pPr marL="457200" indent="-457200">
+              <a:buFontTx/>
+              <a:buChar char="-"/>
+            </a:pPr>
+            <a:endParaRPr lang="en-US" sz="2800" b="1" dirty="0"/>
+          </a:p>
+          <a:p>
+            <a:pPr marL="457200" indent="-457200">
+              <a:buFontTx/>
+              <a:buChar char="-"/>
+            </a:pPr>
+            <a:r>
+              <a:rPr lang="en-US" sz="2800" b="1" dirty="0"/>
+              <a:t>Unit test</a:t>
+            </a:r>
+          </a:p>
+          <a:p>
+            <a:pPr marL="457200" indent="-457200">
+              <a:buFontTx/>
+              <a:buChar char="-"/>
+            </a:pPr>
+            <a:endParaRPr lang="en-US" sz="2800" b="1" dirty="0"/>
+          </a:p>
+          <a:p>
+            <a:pPr marL="457200" indent="-457200">
+              <a:buFontTx/>
+              <a:buChar char="-"/>
+            </a:pPr>
+            <a:r>
+              <a:rPr lang="en-US" sz="2800" b="1" dirty="0"/>
+              <a:t>Code review</a:t>
+            </a:r>
+            <a:endParaRPr lang="en-US" sz="2800" dirty="0"/>
           </a:p>
         </p:txBody>
       </p:sp>
@@ -6013,7 +6416,7 @@
           <a:p>
             <a:r>
               <a:rPr lang="en-US" dirty="0"/>
-              <a:t>1/10</a:t>
+              <a:t>7/12</a:t>
             </a:r>
           </a:p>
         </p:txBody>
@@ -6341,7 +6744,7 @@
           <a:p>
             <a:r>
               <a:rPr lang="en-US" dirty="0"/>
-              <a:t>1/10</a:t>
+              <a:t>8/12</a:t>
             </a:r>
           </a:p>
         </p:txBody>
@@ -6450,8 +6853,8 @@
           </a:p>
         </p:txBody>
       </p:sp>
-      <mc:AlternateContent xmlns:mc="http://schemas.openxmlformats.org/markup-compatibility/2006">
-        <mc:Choice xmlns:a14="http://schemas.microsoft.com/office/drawing/2010/main" Requires="a14">
+      <mc:AlternateContent xmlns:mc="http://schemas.openxmlformats.org/markup-compatibility/2006" xmlns:a14="http://schemas.microsoft.com/office/drawing/2010/main">
+        <mc:Choice Requires="a14">
           <p:sp>
             <p:nvSpPr>
               <p:cNvPr id="7" name="TextBox 6">
@@ -6553,7 +6956,7 @@
             </p:txBody>
           </p:sp>
         </mc:Choice>
-        <mc:Fallback>
+        <mc:Fallback xmlns="">
           <p:sp>
             <p:nvSpPr>
               <p:cNvPr id="7" name="TextBox 6">

--- a/docs/Presentation/VnV.pptx
+++ b/docs/Presentation/VnV.pptx
@@ -4638,6 +4638,104 @@
               <a:rPr lang="en-US" dirty="0"/>
               <a:t>12/12</a:t>
             </a:r>
+          </a:p>
+        </p:txBody>
+      </p:sp>
+      <p:sp>
+        <p:nvSpPr>
+          <p:cNvPr id="2" name="TextBox 1">
+            <a:extLst>
+              <a:ext uri="{FF2B5EF4-FFF2-40B4-BE49-F238E27FC236}">
+                <a16:creationId xmlns:a16="http://schemas.microsoft.com/office/drawing/2014/main" id="{F6E2FBBC-B6D9-6C47-417B-6017F64CF406}"/>
+              </a:ext>
+            </a:extLst>
+          </p:cNvPr>
+          <p:cNvSpPr txBox="1"/>
+          <p:nvPr/>
+        </p:nvSpPr>
+        <p:spPr>
+          <a:xfrm>
+            <a:off x="349249" y="1521716"/>
+            <a:ext cx="11036300" cy="3539430"/>
+          </a:xfrm>
+          <a:prstGeom prst="rect">
+            <a:avLst/>
+          </a:prstGeom>
+          <a:noFill/>
+        </p:spPr>
+        <p:txBody>
+          <a:bodyPr wrap="square">
+            <a:spAutoFit/>
+          </a:bodyPr>
+          <a:lstStyle/>
+          <a:p>
+            <a:r>
+              <a:rPr lang="en-US" sz="2800" b="1" dirty="0"/>
+              <a:t>Units:</a:t>
+            </a:r>
+          </a:p>
+          <a:p>
+            <a:pPr marL="457200" indent="-457200">
+              <a:buFontTx/>
+              <a:buChar char="-"/>
+            </a:pPr>
+            <a:r>
+              <a:rPr lang="en-US" sz="2800" b="1" dirty="0"/>
+              <a:t>Data loader</a:t>
+            </a:r>
+          </a:p>
+          <a:p>
+            <a:pPr marL="457200" indent="-457200">
+              <a:buFontTx/>
+              <a:buChar char="-"/>
+            </a:pPr>
+            <a:r>
+              <a:rPr lang="en-US" sz="2800" b="1" dirty="0"/>
+              <a:t>Input preprocessing</a:t>
+            </a:r>
+          </a:p>
+          <a:p>
+            <a:pPr marL="457200" indent="-457200">
+              <a:buFontTx/>
+              <a:buChar char="-"/>
+            </a:pPr>
+            <a:r>
+              <a:rPr lang="en-US" sz="2800" b="1" dirty="0"/>
+              <a:t>Filter</a:t>
+            </a:r>
+          </a:p>
+          <a:p>
+            <a:pPr marL="457200" indent="-457200">
+              <a:buFontTx/>
+              <a:buChar char="-"/>
+            </a:pPr>
+            <a:r>
+              <a:rPr lang="en-US" sz="2800" b="1" dirty="0"/>
+              <a:t>Mathematical function</a:t>
+            </a:r>
+          </a:p>
+          <a:p>
+            <a:pPr marL="457200" indent="-457200">
+              <a:buFontTx/>
+              <a:buChar char="-"/>
+            </a:pPr>
+            <a:r>
+              <a:rPr lang="en-US" sz="2800" b="1" dirty="0"/>
+              <a:t>Post processing</a:t>
+            </a:r>
+          </a:p>
+          <a:p>
+            <a:pPr marL="457200" indent="-457200">
+              <a:buFontTx/>
+              <a:buChar char="-"/>
+            </a:pPr>
+            <a:r>
+              <a:rPr lang="en-US" sz="2800" b="1" dirty="0"/>
+              <a:t>Module interfaces</a:t>
+            </a:r>
+          </a:p>
+          <a:p>
+            <a:endParaRPr lang="en-US" sz="2800" dirty="0"/>
           </a:p>
         </p:txBody>
       </p:sp>
